--- a/EDTV2.0.pptx
+++ b/EDTV2.0.pptx
@@ -7,6 +7,7 @@
   <p:sldIdLst>
     <p:sldId id="256" r:id="rId2"/>
     <p:sldId id="257" r:id="rId3"/>
+    <p:sldId id="258" r:id="rId4"/>
   </p:sldIdLst>
   <p:sldSz cx="12192000" cy="6858000"/>
   <p:notesSz cx="6858000" cy="9144000"/>
@@ -1485,42 +1486,6 @@
         </a:p>
       </dgm:t>
     </dgm:pt>
-    <dgm:pt modelId="{412BB543-D2DF-4249-954C-90B60BDA6A0E}">
-      <dgm:prSet phldrT="[Texto]"/>
-      <dgm:spPr/>
-      <dgm:t>
-        <a:bodyPr/>
-        <a:lstStyle/>
-        <a:p>
-          <a:r>
-            <a:rPr lang="es-ES" dirty="0"/>
-            <a:t>1.2.3 Modelo de Componentes</a:t>
-          </a:r>
-        </a:p>
-      </dgm:t>
-    </dgm:pt>
-    <dgm:pt modelId="{D796F228-FF0B-455A-9C58-CB7B992368F7}" type="parTrans" cxnId="{4D674872-43FC-4E7C-B491-255ECE52545C}">
-      <dgm:prSet/>
-      <dgm:spPr/>
-      <dgm:t>
-        <a:bodyPr/>
-        <a:lstStyle/>
-        <a:p>
-          <a:endParaRPr lang="es-ES"/>
-        </a:p>
-      </dgm:t>
-    </dgm:pt>
-    <dgm:pt modelId="{D5E2E346-331B-4163-8EC4-E3DC4361F75B}" type="sibTrans" cxnId="{4D674872-43FC-4E7C-B491-255ECE52545C}">
-      <dgm:prSet/>
-      <dgm:spPr/>
-      <dgm:t>
-        <a:bodyPr/>
-        <a:lstStyle/>
-        <a:p>
-          <a:endParaRPr lang="es-ES"/>
-        </a:p>
-      </dgm:t>
-    </dgm:pt>
     <dgm:pt modelId="{6ADB45D8-0391-40A2-93AB-C7A7E9ECE004}">
       <dgm:prSet phldrT="[Texto]"/>
       <dgm:spPr/>
@@ -1593,42 +1558,6 @@
         </a:p>
       </dgm:t>
     </dgm:pt>
-    <dgm:pt modelId="{5943DF76-C00C-4389-A4C2-B12B92700026}">
-      <dgm:prSet phldrT="[Texto]"/>
-      <dgm:spPr/>
-      <dgm:t>
-        <a:bodyPr/>
-        <a:lstStyle/>
-        <a:p>
-          <a:r>
-            <a:rPr lang="es-ES" dirty="0"/>
-            <a:t>1.2.6 Diagrama de Despliegue</a:t>
-          </a:r>
-        </a:p>
-      </dgm:t>
-    </dgm:pt>
-    <dgm:pt modelId="{7870AF7C-A43C-4D3A-A677-653474762900}" type="parTrans" cxnId="{3F22BF8A-73CD-4D7A-80EF-5F76A402F3AA}">
-      <dgm:prSet/>
-      <dgm:spPr/>
-      <dgm:t>
-        <a:bodyPr/>
-        <a:lstStyle/>
-        <a:p>
-          <a:endParaRPr lang="es-ES"/>
-        </a:p>
-      </dgm:t>
-    </dgm:pt>
-    <dgm:pt modelId="{18844A1E-61AF-46C0-95E4-7ACC3CEC87C6}" type="sibTrans" cxnId="{3F22BF8A-73CD-4D7A-80EF-5F76A402F3AA}">
-      <dgm:prSet/>
-      <dgm:spPr/>
-      <dgm:t>
-        <a:bodyPr/>
-        <a:lstStyle/>
-        <a:p>
-          <a:endParaRPr lang="es-ES"/>
-        </a:p>
-      </dgm:t>
-    </dgm:pt>
     <dgm:pt modelId="{0FCFA0B5-EA6F-45E6-9685-744499CBB9A9}">
       <dgm:prSet phldrT="[Texto]"/>
       <dgm:spPr/>
@@ -1926,7 +1855,7 @@
         <a:p>
           <a:r>
             <a:rPr lang="es-ES" dirty="0"/>
-            <a:t>1.3.2.3 Diagrama de Flujos de Datos</a:t>
+            <a:t>1.3.2.4 Diagrama de Flujos de Datos</a:t>
           </a:r>
         </a:p>
       </dgm:t>
@@ -1998,7 +1927,7 @@
         <a:p>
           <a:r>
             <a:rPr lang="es-ES" dirty="0"/>
-            <a:t>1.4.4 Programación de Interfaces</a:t>
+            <a:t>1.4.4 Diseño de Interfaces</a:t>
           </a:r>
         </a:p>
       </dgm:t>
@@ -2559,6 +2488,42 @@
       </dgm:t>
     </dgm:pt>
     <dgm:pt modelId="{DA2257AB-8378-4667-952B-7782C644BD7D}" type="sibTrans" cxnId="{A8718E1F-0D03-4B72-9CB5-40D55C70F33D}">
+      <dgm:prSet/>
+      <dgm:spPr/>
+      <dgm:t>
+        <a:bodyPr/>
+        <a:lstStyle/>
+        <a:p>
+          <a:endParaRPr lang="es-ES"/>
+        </a:p>
+      </dgm:t>
+    </dgm:pt>
+    <dgm:pt modelId="{AC8D52EF-0187-4D25-8F95-BD056A2AAE40}">
+      <dgm:prSet phldrT="[Texto]"/>
+      <dgm:spPr/>
+      <dgm:t>
+        <a:bodyPr/>
+        <a:lstStyle/>
+        <a:p>
+          <a:r>
+            <a:rPr lang="es-ES" dirty="0"/>
+            <a:t>1.3.2.3Diagrama de Clases</a:t>
+          </a:r>
+        </a:p>
+      </dgm:t>
+    </dgm:pt>
+    <dgm:pt modelId="{0D175B8C-702C-4D4F-BBBC-A2AD08C9FFDA}" type="parTrans" cxnId="{046FDAE0-2340-4D53-8800-BC52EFD61A87}">
+      <dgm:prSet/>
+      <dgm:spPr/>
+      <dgm:t>
+        <a:bodyPr/>
+        <a:lstStyle/>
+        <a:p>
+          <a:endParaRPr lang="es-ES"/>
+        </a:p>
+      </dgm:t>
+    </dgm:pt>
+    <dgm:pt modelId="{532518A4-163B-4A59-B750-C2CDA782FAA5}" type="sibTrans" cxnId="{046FDAE0-2340-4D53-8800-BC52EFD61A87}">
       <dgm:prSet/>
       <dgm:spPr/>
       <dgm:t>
@@ -2643,7 +2608,7 @@
       <dgm:spPr/>
     </dgm:pt>
     <dgm:pt modelId="{D4CFB54B-9DCC-4083-9E47-A9FC680F2130}" type="pres">
-      <dgm:prSet presAssocID="{BF69E09D-1F00-4373-8A19-47280DD3CDF8}" presName="Name37" presStyleLbl="parChTrans1D3" presStyleIdx="0" presStyleCnt="26"/>
+      <dgm:prSet presAssocID="{BF69E09D-1F00-4373-8A19-47280DD3CDF8}" presName="Name37" presStyleLbl="parChTrans1D3" presStyleIdx="0" presStyleCnt="24"/>
       <dgm:spPr/>
     </dgm:pt>
     <dgm:pt modelId="{3ED152CE-9DC4-42B7-8E0B-4110EB78002A}" type="pres">
@@ -2659,7 +2624,7 @@
       <dgm:spPr/>
     </dgm:pt>
     <dgm:pt modelId="{57B23096-DC63-421B-9E5E-4A873FB1B183}" type="pres">
-      <dgm:prSet presAssocID="{B43D8163-A576-465B-B91B-2E41E85FAF49}" presName="rootText" presStyleLbl="node3" presStyleIdx="0" presStyleCnt="26">
+      <dgm:prSet presAssocID="{B43D8163-A576-465B-B91B-2E41E85FAF49}" presName="rootText" presStyleLbl="node3" presStyleIdx="0" presStyleCnt="24">
         <dgm:presLayoutVars>
           <dgm:chPref val="3"/>
         </dgm:presLayoutVars>
@@ -2667,7 +2632,7 @@
       <dgm:spPr/>
     </dgm:pt>
     <dgm:pt modelId="{6649359C-C10A-46AF-A912-AF77BBE93836}" type="pres">
-      <dgm:prSet presAssocID="{B43D8163-A576-465B-B91B-2E41E85FAF49}" presName="rootConnector" presStyleLbl="node3" presStyleIdx="0" presStyleCnt="26"/>
+      <dgm:prSet presAssocID="{B43D8163-A576-465B-B91B-2E41E85FAF49}" presName="rootConnector" presStyleLbl="node3" presStyleIdx="0" presStyleCnt="24"/>
       <dgm:spPr/>
     </dgm:pt>
     <dgm:pt modelId="{882DC525-5FCB-4549-B87B-883D247AEB79}" type="pres">
@@ -2675,7 +2640,7 @@
       <dgm:spPr/>
     </dgm:pt>
     <dgm:pt modelId="{1B84068B-3305-424B-BDCA-7C884DF75C28}" type="pres">
-      <dgm:prSet presAssocID="{1DF60FE7-1B1B-4C60-81A7-4C37C612A703}" presName="Name37" presStyleLbl="parChTrans1D4" presStyleIdx="0" presStyleCnt="11"/>
+      <dgm:prSet presAssocID="{1DF60FE7-1B1B-4C60-81A7-4C37C612A703}" presName="Name37" presStyleLbl="parChTrans1D4" presStyleIdx="0" presStyleCnt="12"/>
       <dgm:spPr/>
     </dgm:pt>
     <dgm:pt modelId="{A960EAA7-6C4F-49FA-99B4-75FA1DE4B5CB}" type="pres">
@@ -2691,7 +2656,7 @@
       <dgm:spPr/>
     </dgm:pt>
     <dgm:pt modelId="{5E1F2F2E-5CB8-4DA0-9551-A74A084B8932}" type="pres">
-      <dgm:prSet presAssocID="{781F9A90-C53F-4B8D-9871-8D738A40B043}" presName="rootText" presStyleLbl="node4" presStyleIdx="0" presStyleCnt="8" custScaleX="140992">
+      <dgm:prSet presAssocID="{781F9A90-C53F-4B8D-9871-8D738A40B043}" presName="rootText" presStyleLbl="node4" presStyleIdx="0" presStyleCnt="9" custScaleX="140992">
         <dgm:presLayoutVars>
           <dgm:chPref val="3"/>
         </dgm:presLayoutVars>
@@ -2699,7 +2664,7 @@
       <dgm:spPr/>
     </dgm:pt>
     <dgm:pt modelId="{020190E0-A7C1-4B2F-87BC-A296E842FF6E}" type="pres">
-      <dgm:prSet presAssocID="{781F9A90-C53F-4B8D-9871-8D738A40B043}" presName="rootConnector" presStyleLbl="node4" presStyleIdx="0" presStyleCnt="8"/>
+      <dgm:prSet presAssocID="{781F9A90-C53F-4B8D-9871-8D738A40B043}" presName="rootConnector" presStyleLbl="node4" presStyleIdx="0" presStyleCnt="9"/>
       <dgm:spPr/>
     </dgm:pt>
     <dgm:pt modelId="{DDE7564E-6773-4FDC-BA7D-EB016679EA9B}" type="pres">
@@ -2711,7 +2676,7 @@
       <dgm:spPr/>
     </dgm:pt>
     <dgm:pt modelId="{4CB23408-4E1C-4DFE-BF9E-2163EACCD3DC}" type="pres">
-      <dgm:prSet presAssocID="{E9EA1683-FB0D-4D7E-ACA8-4AE17225BE60}" presName="Name111" presStyleLbl="parChTrans1D4" presStyleIdx="1" presStyleCnt="11"/>
+      <dgm:prSet presAssocID="{E9EA1683-FB0D-4D7E-ACA8-4AE17225BE60}" presName="Name111" presStyleLbl="parChTrans1D4" presStyleIdx="1" presStyleCnt="12"/>
       <dgm:spPr/>
     </dgm:pt>
     <dgm:pt modelId="{87E0AE3E-549A-41F1-85FB-D497E9116C8C}" type="pres">
@@ -2747,7 +2712,7 @@
       <dgm:spPr/>
     </dgm:pt>
     <dgm:pt modelId="{C6357416-172B-4E80-8AD8-5AF6C5D48C1F}" type="pres">
-      <dgm:prSet presAssocID="{70EF0B35-D952-4AEC-BC39-7C8CD39EC43F}" presName="Name111" presStyleLbl="parChTrans1D4" presStyleIdx="2" presStyleCnt="11"/>
+      <dgm:prSet presAssocID="{70EF0B35-D952-4AEC-BC39-7C8CD39EC43F}" presName="Name111" presStyleLbl="parChTrans1D4" presStyleIdx="2" presStyleCnt="12"/>
       <dgm:spPr/>
     </dgm:pt>
     <dgm:pt modelId="{A5FA1B56-2930-4310-9E46-0F4F4CA30906}" type="pres">
@@ -2783,7 +2748,7 @@
       <dgm:spPr/>
     </dgm:pt>
     <dgm:pt modelId="{D6898BE6-1419-4B07-9E17-3FE6960D5E3B}" type="pres">
-      <dgm:prSet presAssocID="{57B12144-21F6-4DC2-ACBC-F71D54830534}" presName="Name111" presStyleLbl="parChTrans1D4" presStyleIdx="3" presStyleCnt="11"/>
+      <dgm:prSet presAssocID="{57B12144-21F6-4DC2-ACBC-F71D54830534}" presName="Name111" presStyleLbl="parChTrans1D4" presStyleIdx="3" presStyleCnt="12"/>
       <dgm:spPr/>
     </dgm:pt>
     <dgm:pt modelId="{FD1CFA87-FA97-4DCA-8259-673A95C140D9}" type="pres">
@@ -2859,7 +2824,7 @@
       <dgm:spPr/>
     </dgm:pt>
     <dgm:pt modelId="{134C7759-68C5-4062-88CB-5CC13FC6D463}" type="pres">
-      <dgm:prSet presAssocID="{BEC4BB37-7DE7-44E7-94DC-5F0CC4C81826}" presName="Name37" presStyleLbl="parChTrans1D3" presStyleIdx="1" presStyleCnt="26"/>
+      <dgm:prSet presAssocID="{BEC4BB37-7DE7-44E7-94DC-5F0CC4C81826}" presName="Name37" presStyleLbl="parChTrans1D3" presStyleIdx="1" presStyleCnt="24"/>
       <dgm:spPr/>
     </dgm:pt>
     <dgm:pt modelId="{4F87E4D2-294C-4614-9DE4-E9BD99449943}" type="pres">
@@ -2875,7 +2840,7 @@
       <dgm:spPr/>
     </dgm:pt>
     <dgm:pt modelId="{F073C664-6924-4558-97D0-E9F59B752B28}" type="pres">
-      <dgm:prSet presAssocID="{AF97C274-427E-4A77-BAF9-582F6635C5A4}" presName="rootText" presStyleLbl="node3" presStyleIdx="1" presStyleCnt="26">
+      <dgm:prSet presAssocID="{AF97C274-427E-4A77-BAF9-582F6635C5A4}" presName="rootText" presStyleLbl="node3" presStyleIdx="1" presStyleCnt="24">
         <dgm:presLayoutVars>
           <dgm:chPref val="3"/>
         </dgm:presLayoutVars>
@@ -2883,7 +2848,7 @@
       <dgm:spPr/>
     </dgm:pt>
     <dgm:pt modelId="{46754C31-D180-4B3C-847A-555AB3245442}" type="pres">
-      <dgm:prSet presAssocID="{AF97C274-427E-4A77-BAF9-582F6635C5A4}" presName="rootConnector" presStyleLbl="node3" presStyleIdx="1" presStyleCnt="26"/>
+      <dgm:prSet presAssocID="{AF97C274-427E-4A77-BAF9-582F6635C5A4}" presName="rootConnector" presStyleLbl="node3" presStyleIdx="1" presStyleCnt="24"/>
       <dgm:spPr/>
     </dgm:pt>
     <dgm:pt modelId="{79052C19-990D-47D2-B569-3F172C06C214}" type="pres">
@@ -2895,7 +2860,7 @@
       <dgm:spPr/>
     </dgm:pt>
     <dgm:pt modelId="{0DA9D7D4-0903-408C-91D5-582CC0483DE0}" type="pres">
-      <dgm:prSet presAssocID="{9F28724E-7170-432D-9C81-1EA2FF0F73D9}" presName="Name37" presStyleLbl="parChTrans1D3" presStyleIdx="2" presStyleCnt="26"/>
+      <dgm:prSet presAssocID="{9F28724E-7170-432D-9C81-1EA2FF0F73D9}" presName="Name37" presStyleLbl="parChTrans1D3" presStyleIdx="2" presStyleCnt="24"/>
       <dgm:spPr/>
     </dgm:pt>
     <dgm:pt modelId="{DF44D9AD-7947-41D0-9309-3682828671F6}" type="pres">
@@ -2911,7 +2876,7 @@
       <dgm:spPr/>
     </dgm:pt>
     <dgm:pt modelId="{078F46AD-3B2D-4633-B096-A726C274C285}" type="pres">
-      <dgm:prSet presAssocID="{AA5E9D2F-002A-4AC8-B960-7DBF80DB97F4}" presName="rootText" presStyleLbl="node3" presStyleIdx="2" presStyleCnt="26">
+      <dgm:prSet presAssocID="{AA5E9D2F-002A-4AC8-B960-7DBF80DB97F4}" presName="rootText" presStyleLbl="node3" presStyleIdx="2" presStyleCnt="24">
         <dgm:presLayoutVars>
           <dgm:chPref val="3"/>
         </dgm:presLayoutVars>
@@ -2919,7 +2884,7 @@
       <dgm:spPr/>
     </dgm:pt>
     <dgm:pt modelId="{4BEB834B-26E9-4465-B3C9-AC640D9702A5}" type="pres">
-      <dgm:prSet presAssocID="{AA5E9D2F-002A-4AC8-B960-7DBF80DB97F4}" presName="rootConnector" presStyleLbl="node3" presStyleIdx="2" presStyleCnt="26"/>
+      <dgm:prSet presAssocID="{AA5E9D2F-002A-4AC8-B960-7DBF80DB97F4}" presName="rootConnector" presStyleLbl="node3" presStyleIdx="2" presStyleCnt="24"/>
       <dgm:spPr/>
     </dgm:pt>
     <dgm:pt modelId="{F66C07E7-5D84-4493-867A-424A7D016AD1}" type="pres">
@@ -2930,44 +2895,8 @@
       <dgm:prSet presAssocID="{AA5E9D2F-002A-4AC8-B960-7DBF80DB97F4}" presName="hierChild5" presStyleCnt="0"/>
       <dgm:spPr/>
     </dgm:pt>
-    <dgm:pt modelId="{926D6561-1FB0-4971-86B0-6BE5772E2BF9}" type="pres">
-      <dgm:prSet presAssocID="{D796F228-FF0B-455A-9C58-CB7B992368F7}" presName="Name37" presStyleLbl="parChTrans1D3" presStyleIdx="3" presStyleCnt="26"/>
-      <dgm:spPr/>
-    </dgm:pt>
-    <dgm:pt modelId="{E1797E55-1084-440E-9EC3-03CBDCADE3C6}" type="pres">
-      <dgm:prSet presAssocID="{412BB543-D2DF-4249-954C-90B60BDA6A0E}" presName="hierRoot2" presStyleCnt="0">
-        <dgm:presLayoutVars>
-          <dgm:hierBranch val="init"/>
-        </dgm:presLayoutVars>
-      </dgm:prSet>
-      <dgm:spPr/>
-    </dgm:pt>
-    <dgm:pt modelId="{96FE59BA-8BF2-4EF6-9594-9B9AD20E10A7}" type="pres">
-      <dgm:prSet presAssocID="{412BB543-D2DF-4249-954C-90B60BDA6A0E}" presName="rootComposite" presStyleCnt="0"/>
-      <dgm:spPr/>
-    </dgm:pt>
-    <dgm:pt modelId="{21F8772D-48BF-408A-A234-BA9B7A5569D0}" type="pres">
-      <dgm:prSet presAssocID="{412BB543-D2DF-4249-954C-90B60BDA6A0E}" presName="rootText" presStyleLbl="node3" presStyleIdx="3" presStyleCnt="26">
-        <dgm:presLayoutVars>
-          <dgm:chPref val="3"/>
-        </dgm:presLayoutVars>
-      </dgm:prSet>
-      <dgm:spPr/>
-    </dgm:pt>
-    <dgm:pt modelId="{320FB1E5-B8E9-45AE-A583-5DA7072B1134}" type="pres">
-      <dgm:prSet presAssocID="{412BB543-D2DF-4249-954C-90B60BDA6A0E}" presName="rootConnector" presStyleLbl="node3" presStyleIdx="3" presStyleCnt="26"/>
-      <dgm:spPr/>
-    </dgm:pt>
-    <dgm:pt modelId="{35AD35EF-D2CC-4FE7-8E61-F8F592B5DCE0}" type="pres">
-      <dgm:prSet presAssocID="{412BB543-D2DF-4249-954C-90B60BDA6A0E}" presName="hierChild4" presStyleCnt="0"/>
-      <dgm:spPr/>
-    </dgm:pt>
-    <dgm:pt modelId="{B8F72C65-DEF9-4E70-909B-DAFE1BE3E201}" type="pres">
-      <dgm:prSet presAssocID="{412BB543-D2DF-4249-954C-90B60BDA6A0E}" presName="hierChild5" presStyleCnt="0"/>
-      <dgm:spPr/>
-    </dgm:pt>
     <dgm:pt modelId="{F7558E50-8956-45F9-B758-A92D696DDFF9}" type="pres">
-      <dgm:prSet presAssocID="{FA287C2E-A243-4263-8846-56E8A9EFF2F5}" presName="Name37" presStyleLbl="parChTrans1D3" presStyleIdx="4" presStyleCnt="26"/>
+      <dgm:prSet presAssocID="{FA287C2E-A243-4263-8846-56E8A9EFF2F5}" presName="Name37" presStyleLbl="parChTrans1D3" presStyleIdx="3" presStyleCnt="24"/>
       <dgm:spPr/>
     </dgm:pt>
     <dgm:pt modelId="{2D507354-2C0F-4D8D-A9D2-962BB30BEE72}" type="pres">
@@ -2983,7 +2912,7 @@
       <dgm:spPr/>
     </dgm:pt>
     <dgm:pt modelId="{750B15C4-83CF-4A8E-9BB5-245F11826E46}" type="pres">
-      <dgm:prSet presAssocID="{6ADB45D8-0391-40A2-93AB-C7A7E9ECE004}" presName="rootText" presStyleLbl="node3" presStyleIdx="4" presStyleCnt="26">
+      <dgm:prSet presAssocID="{6ADB45D8-0391-40A2-93AB-C7A7E9ECE004}" presName="rootText" presStyleLbl="node3" presStyleIdx="3" presStyleCnt="24">
         <dgm:presLayoutVars>
           <dgm:chPref val="3"/>
         </dgm:presLayoutVars>
@@ -2991,7 +2920,7 @@
       <dgm:spPr/>
     </dgm:pt>
     <dgm:pt modelId="{1AE37BD0-17A0-4931-A07D-90A3FA6CADA7}" type="pres">
-      <dgm:prSet presAssocID="{6ADB45D8-0391-40A2-93AB-C7A7E9ECE004}" presName="rootConnector" presStyleLbl="node3" presStyleIdx="4" presStyleCnt="26"/>
+      <dgm:prSet presAssocID="{6ADB45D8-0391-40A2-93AB-C7A7E9ECE004}" presName="rootConnector" presStyleLbl="node3" presStyleIdx="3" presStyleCnt="24"/>
       <dgm:spPr/>
     </dgm:pt>
     <dgm:pt modelId="{45DADCA0-7EBF-49C8-9926-67D5CF9CDF1B}" type="pres">
@@ -3003,7 +2932,7 @@
       <dgm:spPr/>
     </dgm:pt>
     <dgm:pt modelId="{39310B3B-CAA7-46D5-8C7F-0117A069E5AB}" type="pres">
-      <dgm:prSet presAssocID="{6201002F-6156-43BB-B3BF-98EDA82868A0}" presName="Name37" presStyleLbl="parChTrans1D3" presStyleIdx="5" presStyleCnt="26"/>
+      <dgm:prSet presAssocID="{6201002F-6156-43BB-B3BF-98EDA82868A0}" presName="Name37" presStyleLbl="parChTrans1D3" presStyleIdx="4" presStyleCnt="24"/>
       <dgm:spPr/>
     </dgm:pt>
     <dgm:pt modelId="{6FA55000-D0AD-4000-B883-F8AA63961BB6}" type="pres">
@@ -3019,7 +2948,7 @@
       <dgm:spPr/>
     </dgm:pt>
     <dgm:pt modelId="{3165EFBE-E62A-433D-AE6B-3344971C3DA9}" type="pres">
-      <dgm:prSet presAssocID="{7A532281-45C8-4C0D-983B-02FBEE132608}" presName="rootText" presStyleLbl="node3" presStyleIdx="5" presStyleCnt="26">
+      <dgm:prSet presAssocID="{7A532281-45C8-4C0D-983B-02FBEE132608}" presName="rootText" presStyleLbl="node3" presStyleIdx="4" presStyleCnt="24">
         <dgm:presLayoutVars>
           <dgm:chPref val="3"/>
         </dgm:presLayoutVars>
@@ -3027,7 +2956,7 @@
       <dgm:spPr/>
     </dgm:pt>
     <dgm:pt modelId="{51847DE9-1092-41F9-BF33-5CD8656DB8D6}" type="pres">
-      <dgm:prSet presAssocID="{7A532281-45C8-4C0D-983B-02FBEE132608}" presName="rootConnector" presStyleLbl="node3" presStyleIdx="5" presStyleCnt="26"/>
+      <dgm:prSet presAssocID="{7A532281-45C8-4C0D-983B-02FBEE132608}" presName="rootConnector" presStyleLbl="node3" presStyleIdx="4" presStyleCnt="24"/>
       <dgm:spPr/>
     </dgm:pt>
     <dgm:pt modelId="{F7B6CB29-8B6B-458C-A59F-A900E4129D13}" type="pres">
@@ -3036,42 +2965,6 @@
     </dgm:pt>
     <dgm:pt modelId="{CCF0B1E4-E93D-445B-A212-ABCAB05FA043}" type="pres">
       <dgm:prSet presAssocID="{7A532281-45C8-4C0D-983B-02FBEE132608}" presName="hierChild5" presStyleCnt="0"/>
-      <dgm:spPr/>
-    </dgm:pt>
-    <dgm:pt modelId="{FE39689D-E1FD-441F-81AF-72D3670EB841}" type="pres">
-      <dgm:prSet presAssocID="{7870AF7C-A43C-4D3A-A677-653474762900}" presName="Name37" presStyleLbl="parChTrans1D3" presStyleIdx="6" presStyleCnt="26"/>
-      <dgm:spPr/>
-    </dgm:pt>
-    <dgm:pt modelId="{48D75B33-2D8C-47F4-815E-966008232D8C}" type="pres">
-      <dgm:prSet presAssocID="{5943DF76-C00C-4389-A4C2-B12B92700026}" presName="hierRoot2" presStyleCnt="0">
-        <dgm:presLayoutVars>
-          <dgm:hierBranch val="init"/>
-        </dgm:presLayoutVars>
-      </dgm:prSet>
-      <dgm:spPr/>
-    </dgm:pt>
-    <dgm:pt modelId="{DB9DC782-DEE3-405D-BCC3-ACBFFE77AE13}" type="pres">
-      <dgm:prSet presAssocID="{5943DF76-C00C-4389-A4C2-B12B92700026}" presName="rootComposite" presStyleCnt="0"/>
-      <dgm:spPr/>
-    </dgm:pt>
-    <dgm:pt modelId="{52C67249-1702-4DE0-92CC-FB20693C4327}" type="pres">
-      <dgm:prSet presAssocID="{5943DF76-C00C-4389-A4C2-B12B92700026}" presName="rootText" presStyleLbl="node3" presStyleIdx="6" presStyleCnt="26">
-        <dgm:presLayoutVars>
-          <dgm:chPref val="3"/>
-        </dgm:presLayoutVars>
-      </dgm:prSet>
-      <dgm:spPr/>
-    </dgm:pt>
-    <dgm:pt modelId="{2541B27E-7223-4B96-8488-6053336F9A3B}" type="pres">
-      <dgm:prSet presAssocID="{5943DF76-C00C-4389-A4C2-B12B92700026}" presName="rootConnector" presStyleLbl="node3" presStyleIdx="6" presStyleCnt="26"/>
-      <dgm:spPr/>
-    </dgm:pt>
-    <dgm:pt modelId="{3707A237-F6DB-4392-8C31-A1FA1C37ADD5}" type="pres">
-      <dgm:prSet presAssocID="{5943DF76-C00C-4389-A4C2-B12B92700026}" presName="hierChild4" presStyleCnt="0"/>
-      <dgm:spPr/>
-    </dgm:pt>
-    <dgm:pt modelId="{7267C94D-9338-4F92-B2A9-5255F58F47B3}" type="pres">
-      <dgm:prSet presAssocID="{5943DF76-C00C-4389-A4C2-B12B92700026}" presName="hierChild5" presStyleCnt="0"/>
       <dgm:spPr/>
     </dgm:pt>
     <dgm:pt modelId="{1A06F079-6B34-4426-A354-4D0D6183503E}" type="pres">
@@ -3111,7 +3004,7 @@
       <dgm:spPr/>
     </dgm:pt>
     <dgm:pt modelId="{C3E12063-10DC-4BFC-A439-1254D4A475FC}" type="pres">
-      <dgm:prSet presAssocID="{FE93A08A-4510-4B3A-8ECC-726F8A89EDE5}" presName="Name37" presStyleLbl="parChTrans1D3" presStyleIdx="7" presStyleCnt="26"/>
+      <dgm:prSet presAssocID="{FE93A08A-4510-4B3A-8ECC-726F8A89EDE5}" presName="Name37" presStyleLbl="parChTrans1D3" presStyleIdx="5" presStyleCnt="24"/>
       <dgm:spPr/>
     </dgm:pt>
     <dgm:pt modelId="{9C873C5C-96A4-43AB-92F8-6E876816DCAF}" type="pres">
@@ -3127,7 +3020,7 @@
       <dgm:spPr/>
     </dgm:pt>
     <dgm:pt modelId="{6CE9A830-0E5C-4466-A1F3-0E4489E7FE50}" type="pres">
-      <dgm:prSet presAssocID="{876C0A9C-DE15-411B-A57F-BF7D5FF2FE26}" presName="rootText" presStyleLbl="node3" presStyleIdx="7" presStyleCnt="26">
+      <dgm:prSet presAssocID="{876C0A9C-DE15-411B-A57F-BF7D5FF2FE26}" presName="rootText" presStyleLbl="node3" presStyleIdx="5" presStyleCnt="24">
         <dgm:presLayoutVars>
           <dgm:chPref val="3"/>
         </dgm:presLayoutVars>
@@ -3135,7 +3028,7 @@
       <dgm:spPr/>
     </dgm:pt>
     <dgm:pt modelId="{950A9D42-7967-443C-BE02-A265FC2AB478}" type="pres">
-      <dgm:prSet presAssocID="{876C0A9C-DE15-411B-A57F-BF7D5FF2FE26}" presName="rootConnector" presStyleLbl="node3" presStyleIdx="7" presStyleCnt="26"/>
+      <dgm:prSet presAssocID="{876C0A9C-DE15-411B-A57F-BF7D5FF2FE26}" presName="rootConnector" presStyleLbl="node3" presStyleIdx="5" presStyleCnt="24"/>
       <dgm:spPr/>
     </dgm:pt>
     <dgm:pt modelId="{D7D7A8E8-8EE1-4F39-9F35-96AFF528A787}" type="pres">
@@ -3143,7 +3036,7 @@
       <dgm:spPr/>
     </dgm:pt>
     <dgm:pt modelId="{B8090D4C-076F-496C-A627-F9A9F708868C}" type="pres">
-      <dgm:prSet presAssocID="{F1E1E7E0-A01E-4A9C-AD5B-D0DB22135555}" presName="Name37" presStyleLbl="parChTrans1D4" presStyleIdx="4" presStyleCnt="11"/>
+      <dgm:prSet presAssocID="{F1E1E7E0-A01E-4A9C-AD5B-D0DB22135555}" presName="Name37" presStyleLbl="parChTrans1D4" presStyleIdx="4" presStyleCnt="12"/>
       <dgm:spPr/>
     </dgm:pt>
     <dgm:pt modelId="{8E25AAE8-D9AB-4D26-AF20-A3471FCCE468}" type="pres">
@@ -3159,7 +3052,7 @@
       <dgm:spPr/>
     </dgm:pt>
     <dgm:pt modelId="{69E4C975-593C-4612-86A6-EFA4340A4B26}" type="pres">
-      <dgm:prSet presAssocID="{BE00C4BD-76A4-46F4-A814-3EDF89142AB2}" presName="rootText" presStyleLbl="node4" presStyleIdx="1" presStyleCnt="8">
+      <dgm:prSet presAssocID="{BE00C4BD-76A4-46F4-A814-3EDF89142AB2}" presName="rootText" presStyleLbl="node4" presStyleIdx="1" presStyleCnt="9">
         <dgm:presLayoutVars>
           <dgm:chPref val="3"/>
         </dgm:presLayoutVars>
@@ -3167,7 +3060,7 @@
       <dgm:spPr/>
     </dgm:pt>
     <dgm:pt modelId="{F24798F6-59CC-4933-9B00-9FC9B92FD0D4}" type="pres">
-      <dgm:prSet presAssocID="{BE00C4BD-76A4-46F4-A814-3EDF89142AB2}" presName="rootConnector" presStyleLbl="node4" presStyleIdx="1" presStyleCnt="8"/>
+      <dgm:prSet presAssocID="{BE00C4BD-76A4-46F4-A814-3EDF89142AB2}" presName="rootConnector" presStyleLbl="node4" presStyleIdx="1" presStyleCnt="9"/>
       <dgm:spPr/>
     </dgm:pt>
     <dgm:pt modelId="{7262A79A-687A-4887-BFDB-D851E6CC981B}" type="pres">
@@ -3179,7 +3072,7 @@
       <dgm:spPr/>
     </dgm:pt>
     <dgm:pt modelId="{1AB92A3D-FECF-43BC-AE88-8A7D9166A9BA}" type="pres">
-      <dgm:prSet presAssocID="{DD92DCB2-0770-4ABB-A579-A9A8CCEBACA0}" presName="Name37" presStyleLbl="parChTrans1D4" presStyleIdx="5" presStyleCnt="11"/>
+      <dgm:prSet presAssocID="{DD92DCB2-0770-4ABB-A579-A9A8CCEBACA0}" presName="Name37" presStyleLbl="parChTrans1D4" presStyleIdx="5" presStyleCnt="12"/>
       <dgm:spPr/>
     </dgm:pt>
     <dgm:pt modelId="{35200694-4426-4537-80A0-9679BBA599FA}" type="pres">
@@ -3195,7 +3088,7 @@
       <dgm:spPr/>
     </dgm:pt>
     <dgm:pt modelId="{D89A6D89-2E1D-4EEE-9950-544997115C29}" type="pres">
-      <dgm:prSet presAssocID="{77A30E82-7DC8-4DF1-8455-C8B507EB8A0B}" presName="rootText" presStyleLbl="node4" presStyleIdx="2" presStyleCnt="8">
+      <dgm:prSet presAssocID="{77A30E82-7DC8-4DF1-8455-C8B507EB8A0B}" presName="rootText" presStyleLbl="node4" presStyleIdx="2" presStyleCnt="9">
         <dgm:presLayoutVars>
           <dgm:chPref val="3"/>
         </dgm:presLayoutVars>
@@ -3203,7 +3096,7 @@
       <dgm:spPr/>
     </dgm:pt>
     <dgm:pt modelId="{71E13B80-0311-4BE3-B9D8-DE5B541EDF57}" type="pres">
-      <dgm:prSet presAssocID="{77A30E82-7DC8-4DF1-8455-C8B507EB8A0B}" presName="rootConnector" presStyleLbl="node4" presStyleIdx="2" presStyleCnt="8"/>
+      <dgm:prSet presAssocID="{77A30E82-7DC8-4DF1-8455-C8B507EB8A0B}" presName="rootConnector" presStyleLbl="node4" presStyleIdx="2" presStyleCnt="9"/>
       <dgm:spPr/>
     </dgm:pt>
     <dgm:pt modelId="{C0EDA731-5DBD-4E61-B6B7-4384DA527809}" type="pres">
@@ -3215,7 +3108,7 @@
       <dgm:spPr/>
     </dgm:pt>
     <dgm:pt modelId="{17D252E1-0E50-401E-8486-80B1143B2CC8}" type="pres">
-      <dgm:prSet presAssocID="{96A778BF-3F64-49A2-803C-614F64921D1D}" presName="Name37" presStyleLbl="parChTrans1D4" presStyleIdx="6" presStyleCnt="11"/>
+      <dgm:prSet presAssocID="{96A778BF-3F64-49A2-803C-614F64921D1D}" presName="Name37" presStyleLbl="parChTrans1D4" presStyleIdx="6" presStyleCnt="12"/>
       <dgm:spPr/>
     </dgm:pt>
     <dgm:pt modelId="{07006A89-CC9E-4A57-8AC4-FD355100E6C9}" type="pres">
@@ -3231,7 +3124,7 @@
       <dgm:spPr/>
     </dgm:pt>
     <dgm:pt modelId="{DA9C7136-5473-4A0B-A1C8-198AE4D1762D}" type="pres">
-      <dgm:prSet presAssocID="{0FCFA0B5-EA6F-45E6-9685-744499CBB9A9}" presName="rootText" presStyleLbl="node4" presStyleIdx="3" presStyleCnt="8">
+      <dgm:prSet presAssocID="{0FCFA0B5-EA6F-45E6-9685-744499CBB9A9}" presName="rootText" presStyleLbl="node4" presStyleIdx="3" presStyleCnt="9">
         <dgm:presLayoutVars>
           <dgm:chPref val="3"/>
         </dgm:presLayoutVars>
@@ -3239,7 +3132,7 @@
       <dgm:spPr/>
     </dgm:pt>
     <dgm:pt modelId="{55664BB4-320D-4509-899B-F3628326F49A}" type="pres">
-      <dgm:prSet presAssocID="{0FCFA0B5-EA6F-45E6-9685-744499CBB9A9}" presName="rootConnector" presStyleLbl="node4" presStyleIdx="3" presStyleCnt="8"/>
+      <dgm:prSet presAssocID="{0FCFA0B5-EA6F-45E6-9685-744499CBB9A9}" presName="rootConnector" presStyleLbl="node4" presStyleIdx="3" presStyleCnt="9"/>
       <dgm:spPr/>
     </dgm:pt>
     <dgm:pt modelId="{EFE47233-6144-4416-AFA6-87C6EF930072}" type="pres">
@@ -3251,7 +3144,7 @@
       <dgm:spPr/>
     </dgm:pt>
     <dgm:pt modelId="{698D1669-45CE-4831-B8C8-0EA0BB55C46A}" type="pres">
-      <dgm:prSet presAssocID="{87DCCE4A-F4DE-43C8-A971-51B88791A083}" presName="Name37" presStyleLbl="parChTrans1D4" presStyleIdx="7" presStyleCnt="11"/>
+      <dgm:prSet presAssocID="{87DCCE4A-F4DE-43C8-A971-51B88791A083}" presName="Name37" presStyleLbl="parChTrans1D4" presStyleIdx="7" presStyleCnt="12"/>
       <dgm:spPr/>
     </dgm:pt>
     <dgm:pt modelId="{CB9CE3A2-0B5F-441A-8DC3-C3D65632C3BE}" type="pres">
@@ -3267,7 +3160,7 @@
       <dgm:spPr/>
     </dgm:pt>
     <dgm:pt modelId="{F89B092C-F3A3-4D4C-9EBB-E0F7F69A4FFC}" type="pres">
-      <dgm:prSet presAssocID="{25374D33-C415-4774-BB58-FE2D64D3CDF8}" presName="rootText" presStyleLbl="node4" presStyleIdx="4" presStyleCnt="8">
+      <dgm:prSet presAssocID="{25374D33-C415-4774-BB58-FE2D64D3CDF8}" presName="rootText" presStyleLbl="node4" presStyleIdx="4" presStyleCnt="9">
         <dgm:presLayoutVars>
           <dgm:chPref val="3"/>
         </dgm:presLayoutVars>
@@ -3275,7 +3168,7 @@
       <dgm:spPr/>
     </dgm:pt>
     <dgm:pt modelId="{F77C6E2E-CE8A-4EEB-9705-E28EFB103C2E}" type="pres">
-      <dgm:prSet presAssocID="{25374D33-C415-4774-BB58-FE2D64D3CDF8}" presName="rootConnector" presStyleLbl="node4" presStyleIdx="4" presStyleCnt="8"/>
+      <dgm:prSet presAssocID="{25374D33-C415-4774-BB58-FE2D64D3CDF8}" presName="rootConnector" presStyleLbl="node4" presStyleIdx="4" presStyleCnt="9"/>
       <dgm:spPr/>
     </dgm:pt>
     <dgm:pt modelId="{C33BF639-90FC-45BA-A979-3D9032871B9F}" type="pres">
@@ -3291,7 +3184,7 @@
       <dgm:spPr/>
     </dgm:pt>
     <dgm:pt modelId="{41B5A1E5-C5CC-45F0-96D7-1B1EBBF5C59D}" type="pres">
-      <dgm:prSet presAssocID="{9A94873D-D6D3-41B7-8EAD-B3A8ADB2AA30}" presName="Name37" presStyleLbl="parChTrans1D3" presStyleIdx="8" presStyleCnt="26"/>
+      <dgm:prSet presAssocID="{9A94873D-D6D3-41B7-8EAD-B3A8ADB2AA30}" presName="Name37" presStyleLbl="parChTrans1D3" presStyleIdx="6" presStyleCnt="24"/>
       <dgm:spPr/>
     </dgm:pt>
     <dgm:pt modelId="{D61E9E19-DB03-4EA2-90BC-84E0129891FA}" type="pres">
@@ -3307,7 +3200,7 @@
       <dgm:spPr/>
     </dgm:pt>
     <dgm:pt modelId="{6AF3C81C-4E99-4279-9E8E-198358D7544E}" type="pres">
-      <dgm:prSet presAssocID="{E3C7F89B-BEA3-4D84-8771-097201612B75}" presName="rootText" presStyleLbl="node3" presStyleIdx="8" presStyleCnt="26">
+      <dgm:prSet presAssocID="{E3C7F89B-BEA3-4D84-8771-097201612B75}" presName="rootText" presStyleLbl="node3" presStyleIdx="6" presStyleCnt="24">
         <dgm:presLayoutVars>
           <dgm:chPref val="3"/>
         </dgm:presLayoutVars>
@@ -3315,7 +3208,7 @@
       <dgm:spPr/>
     </dgm:pt>
     <dgm:pt modelId="{2AD9AA92-2127-4D86-A244-C4529708F1AA}" type="pres">
-      <dgm:prSet presAssocID="{E3C7F89B-BEA3-4D84-8771-097201612B75}" presName="rootConnector" presStyleLbl="node3" presStyleIdx="8" presStyleCnt="26"/>
+      <dgm:prSet presAssocID="{E3C7F89B-BEA3-4D84-8771-097201612B75}" presName="rootConnector" presStyleLbl="node3" presStyleIdx="6" presStyleCnt="24"/>
       <dgm:spPr/>
     </dgm:pt>
     <dgm:pt modelId="{D527AE04-B127-4CCF-8DA1-E78023B45C7C}" type="pres">
@@ -3323,7 +3216,7 @@
       <dgm:spPr/>
     </dgm:pt>
     <dgm:pt modelId="{1BC193C5-6340-4104-9E37-57BD2D235FEE}" type="pres">
-      <dgm:prSet presAssocID="{78D5AE2C-F23B-4869-9366-66E5ECF711BE}" presName="Name37" presStyleLbl="parChTrans1D4" presStyleIdx="8" presStyleCnt="11"/>
+      <dgm:prSet presAssocID="{78D5AE2C-F23B-4869-9366-66E5ECF711BE}" presName="Name37" presStyleLbl="parChTrans1D4" presStyleIdx="8" presStyleCnt="12"/>
       <dgm:spPr/>
     </dgm:pt>
     <dgm:pt modelId="{B539DB62-BBBB-4EAE-9CB5-8AF8CB8D20BC}" type="pres">
@@ -3339,7 +3232,7 @@
       <dgm:spPr/>
     </dgm:pt>
     <dgm:pt modelId="{F1364E01-FC09-4D85-A398-48CD417761D3}" type="pres">
-      <dgm:prSet presAssocID="{DFEBFE13-41AA-4205-BA4D-EF1D009978FA}" presName="rootText" presStyleLbl="node4" presStyleIdx="5" presStyleCnt="8" custLinFactNeighborX="4480" custLinFactNeighborY="2240">
+      <dgm:prSet presAssocID="{DFEBFE13-41AA-4205-BA4D-EF1D009978FA}" presName="rootText" presStyleLbl="node4" presStyleIdx="5" presStyleCnt="9" custLinFactNeighborX="4480" custLinFactNeighborY="2240">
         <dgm:presLayoutVars>
           <dgm:chPref val="3"/>
         </dgm:presLayoutVars>
@@ -3347,7 +3240,7 @@
       <dgm:spPr/>
     </dgm:pt>
     <dgm:pt modelId="{ABD9AB21-53BA-424C-9104-57BB3B1357F7}" type="pres">
-      <dgm:prSet presAssocID="{DFEBFE13-41AA-4205-BA4D-EF1D009978FA}" presName="rootConnector" presStyleLbl="node4" presStyleIdx="5" presStyleCnt="8"/>
+      <dgm:prSet presAssocID="{DFEBFE13-41AA-4205-BA4D-EF1D009978FA}" presName="rootConnector" presStyleLbl="node4" presStyleIdx="5" presStyleCnt="9"/>
       <dgm:spPr/>
     </dgm:pt>
     <dgm:pt modelId="{7B57A011-137C-4F4E-9C36-6AAE0443EE57}" type="pres">
@@ -3359,7 +3252,7 @@
       <dgm:spPr/>
     </dgm:pt>
     <dgm:pt modelId="{0764E6D1-0494-43AA-9203-942F412845CD}" type="pres">
-      <dgm:prSet presAssocID="{FEB13B0D-C4E0-41AC-8A7D-9982E0F01BFF}" presName="Name37" presStyleLbl="parChTrans1D4" presStyleIdx="9" presStyleCnt="11"/>
+      <dgm:prSet presAssocID="{FEB13B0D-C4E0-41AC-8A7D-9982E0F01BFF}" presName="Name37" presStyleLbl="parChTrans1D4" presStyleIdx="9" presStyleCnt="12"/>
       <dgm:spPr/>
     </dgm:pt>
     <dgm:pt modelId="{33E2D8F1-2AB3-4C01-B956-969D94DE906B}" type="pres">
@@ -3375,7 +3268,7 @@
       <dgm:spPr/>
     </dgm:pt>
     <dgm:pt modelId="{04447D49-8F9F-4BD4-AB8A-4D2BB43FEA2B}" type="pres">
-      <dgm:prSet presAssocID="{F6FAAE03-39C6-4D1C-9C6B-2E789CC43948}" presName="rootText" presStyleLbl="node4" presStyleIdx="6" presStyleCnt="8">
+      <dgm:prSet presAssocID="{F6FAAE03-39C6-4D1C-9C6B-2E789CC43948}" presName="rootText" presStyleLbl="node4" presStyleIdx="6" presStyleCnt="9">
         <dgm:presLayoutVars>
           <dgm:chPref val="3"/>
         </dgm:presLayoutVars>
@@ -3383,7 +3276,7 @@
       <dgm:spPr/>
     </dgm:pt>
     <dgm:pt modelId="{F2327779-151C-41F1-B06E-68DBC6A08B75}" type="pres">
-      <dgm:prSet presAssocID="{F6FAAE03-39C6-4D1C-9C6B-2E789CC43948}" presName="rootConnector" presStyleLbl="node4" presStyleIdx="6" presStyleCnt="8"/>
+      <dgm:prSet presAssocID="{F6FAAE03-39C6-4D1C-9C6B-2E789CC43948}" presName="rootConnector" presStyleLbl="node4" presStyleIdx="6" presStyleCnt="9"/>
       <dgm:spPr/>
     </dgm:pt>
     <dgm:pt modelId="{054FD61C-0147-43C3-A8CA-3B36BF650F6D}" type="pres">
@@ -3394,8 +3287,44 @@
       <dgm:prSet presAssocID="{F6FAAE03-39C6-4D1C-9C6B-2E789CC43948}" presName="hierChild5" presStyleCnt="0"/>
       <dgm:spPr/>
     </dgm:pt>
+    <dgm:pt modelId="{D8E78890-69E7-4D82-8EF0-94B76E66DE46}" type="pres">
+      <dgm:prSet presAssocID="{0D175B8C-702C-4D4F-BBBC-A2AD08C9FFDA}" presName="Name37" presStyleLbl="parChTrans1D4" presStyleIdx="10" presStyleCnt="12"/>
+      <dgm:spPr/>
+    </dgm:pt>
+    <dgm:pt modelId="{911BD9DC-8235-42CF-8714-004EB49844EC}" type="pres">
+      <dgm:prSet presAssocID="{AC8D52EF-0187-4D25-8F95-BD056A2AAE40}" presName="hierRoot2" presStyleCnt="0">
+        <dgm:presLayoutVars>
+          <dgm:hierBranch val="init"/>
+        </dgm:presLayoutVars>
+      </dgm:prSet>
+      <dgm:spPr/>
+    </dgm:pt>
+    <dgm:pt modelId="{0BB6DA25-E3B8-4385-9B93-1F7C9F80D6E1}" type="pres">
+      <dgm:prSet presAssocID="{AC8D52EF-0187-4D25-8F95-BD056A2AAE40}" presName="rootComposite" presStyleCnt="0"/>
+      <dgm:spPr/>
+    </dgm:pt>
+    <dgm:pt modelId="{70157C85-5F7F-40E9-A825-1F326C471DFF}" type="pres">
+      <dgm:prSet presAssocID="{AC8D52EF-0187-4D25-8F95-BD056A2AAE40}" presName="rootText" presStyleLbl="node4" presStyleIdx="7" presStyleCnt="9">
+        <dgm:presLayoutVars>
+          <dgm:chPref val="3"/>
+        </dgm:presLayoutVars>
+      </dgm:prSet>
+      <dgm:spPr/>
+    </dgm:pt>
+    <dgm:pt modelId="{0B3450A8-33CB-4EE7-90F4-D2A366553BC8}" type="pres">
+      <dgm:prSet presAssocID="{AC8D52EF-0187-4D25-8F95-BD056A2AAE40}" presName="rootConnector" presStyleLbl="node4" presStyleIdx="7" presStyleCnt="9"/>
+      <dgm:spPr/>
+    </dgm:pt>
+    <dgm:pt modelId="{C3FEDC9D-3BCE-4E6F-BC05-EAA304EA04C4}" type="pres">
+      <dgm:prSet presAssocID="{AC8D52EF-0187-4D25-8F95-BD056A2AAE40}" presName="hierChild4" presStyleCnt="0"/>
+      <dgm:spPr/>
+    </dgm:pt>
+    <dgm:pt modelId="{CF6149AE-06F0-442C-B03D-D7CF28CFB9D2}" type="pres">
+      <dgm:prSet presAssocID="{AC8D52EF-0187-4D25-8F95-BD056A2AAE40}" presName="hierChild5" presStyleCnt="0"/>
+      <dgm:spPr/>
+    </dgm:pt>
     <dgm:pt modelId="{7D0715D2-FD7A-4983-A2A5-7379511894B4}" type="pres">
-      <dgm:prSet presAssocID="{D41B9C99-A40F-4368-9683-BB8991B7FED4}" presName="Name37" presStyleLbl="parChTrans1D4" presStyleIdx="10" presStyleCnt="11"/>
+      <dgm:prSet presAssocID="{D41B9C99-A40F-4368-9683-BB8991B7FED4}" presName="Name37" presStyleLbl="parChTrans1D4" presStyleIdx="11" presStyleCnt="12"/>
       <dgm:spPr/>
     </dgm:pt>
     <dgm:pt modelId="{BEE2015F-090B-471C-88D0-BA8D10D61533}" type="pres">
@@ -3411,7 +3340,7 @@
       <dgm:spPr/>
     </dgm:pt>
     <dgm:pt modelId="{768DF61A-01A6-453C-9541-29268C0C7CAF}" type="pres">
-      <dgm:prSet presAssocID="{A4F21E37-B964-416A-B597-23C4CDB96A1D}" presName="rootText" presStyleLbl="node4" presStyleIdx="7" presStyleCnt="8">
+      <dgm:prSet presAssocID="{A4F21E37-B964-416A-B597-23C4CDB96A1D}" presName="rootText" presStyleLbl="node4" presStyleIdx="8" presStyleCnt="9">
         <dgm:presLayoutVars>
           <dgm:chPref val="3"/>
         </dgm:presLayoutVars>
@@ -3419,7 +3348,7 @@
       <dgm:spPr/>
     </dgm:pt>
     <dgm:pt modelId="{05C7B833-2EDD-4EA2-942E-3A8DDF94D93C}" type="pres">
-      <dgm:prSet presAssocID="{A4F21E37-B964-416A-B597-23C4CDB96A1D}" presName="rootConnector" presStyleLbl="node4" presStyleIdx="7" presStyleCnt="8"/>
+      <dgm:prSet presAssocID="{A4F21E37-B964-416A-B597-23C4CDB96A1D}" presName="rootConnector" presStyleLbl="node4" presStyleIdx="8" presStyleCnt="9"/>
       <dgm:spPr/>
     </dgm:pt>
     <dgm:pt modelId="{AE34B616-D8BC-4CB7-8B1B-8BBAA39D282A}" type="pres">
@@ -3471,7 +3400,7 @@
       <dgm:spPr/>
     </dgm:pt>
     <dgm:pt modelId="{B1CFD8B1-1E32-421E-97B0-785B05B23281}" type="pres">
-      <dgm:prSet presAssocID="{4ADBD570-9C0E-4709-A5B8-FC8A9E16C89F}" presName="Name37" presStyleLbl="parChTrans1D3" presStyleIdx="9" presStyleCnt="26"/>
+      <dgm:prSet presAssocID="{4ADBD570-9C0E-4709-A5B8-FC8A9E16C89F}" presName="Name37" presStyleLbl="parChTrans1D3" presStyleIdx="7" presStyleCnt="24"/>
       <dgm:spPr/>
     </dgm:pt>
     <dgm:pt modelId="{E4CCB399-9474-43F0-850F-B3078D6FC4ED}" type="pres">
@@ -3487,7 +3416,7 @@
       <dgm:spPr/>
     </dgm:pt>
     <dgm:pt modelId="{2EEF477F-E2CF-40B2-AAB3-7132364BB5B8}" type="pres">
-      <dgm:prSet presAssocID="{A74603F8-E52B-4AD7-862F-854B32E2866D}" presName="rootText" presStyleLbl="node3" presStyleIdx="9" presStyleCnt="26">
+      <dgm:prSet presAssocID="{A74603F8-E52B-4AD7-862F-854B32E2866D}" presName="rootText" presStyleLbl="node3" presStyleIdx="7" presStyleCnt="24">
         <dgm:presLayoutVars>
           <dgm:chPref val="3"/>
         </dgm:presLayoutVars>
@@ -3495,7 +3424,7 @@
       <dgm:spPr/>
     </dgm:pt>
     <dgm:pt modelId="{5AA335B1-2F08-46C5-8E5A-90626EB45ACE}" type="pres">
-      <dgm:prSet presAssocID="{A74603F8-E52B-4AD7-862F-854B32E2866D}" presName="rootConnector" presStyleLbl="node3" presStyleIdx="9" presStyleCnt="26"/>
+      <dgm:prSet presAssocID="{A74603F8-E52B-4AD7-862F-854B32E2866D}" presName="rootConnector" presStyleLbl="node3" presStyleIdx="7" presStyleCnt="24"/>
       <dgm:spPr/>
     </dgm:pt>
     <dgm:pt modelId="{A19CA41D-0834-4257-B2BF-1FDBC9DECE2C}" type="pres">
@@ -3507,7 +3436,7 @@
       <dgm:spPr/>
     </dgm:pt>
     <dgm:pt modelId="{7A637108-3A9A-4965-93A7-0916E1BC8D58}" type="pres">
-      <dgm:prSet presAssocID="{47F76146-0439-46F5-BB62-3AF40BAE86F9}" presName="Name37" presStyleLbl="parChTrans1D3" presStyleIdx="10" presStyleCnt="26"/>
+      <dgm:prSet presAssocID="{47F76146-0439-46F5-BB62-3AF40BAE86F9}" presName="Name37" presStyleLbl="parChTrans1D3" presStyleIdx="8" presStyleCnt="24"/>
       <dgm:spPr/>
     </dgm:pt>
     <dgm:pt modelId="{FB28B1E3-AF35-4CD6-8EB6-EE8F727826A4}" type="pres">
@@ -3523,7 +3452,7 @@
       <dgm:spPr/>
     </dgm:pt>
     <dgm:pt modelId="{1BF70D20-E419-41AE-B255-A0D7DD8D578E}" type="pres">
-      <dgm:prSet presAssocID="{362EF52E-8718-4E30-90FC-3F58CB2BC296}" presName="rootText" presStyleLbl="node3" presStyleIdx="10" presStyleCnt="26">
+      <dgm:prSet presAssocID="{362EF52E-8718-4E30-90FC-3F58CB2BC296}" presName="rootText" presStyleLbl="node3" presStyleIdx="8" presStyleCnt="24">
         <dgm:presLayoutVars>
           <dgm:chPref val="3"/>
         </dgm:presLayoutVars>
@@ -3531,7 +3460,7 @@
       <dgm:spPr/>
     </dgm:pt>
     <dgm:pt modelId="{75763746-FDB1-422F-8010-0406A3E3B6E5}" type="pres">
-      <dgm:prSet presAssocID="{362EF52E-8718-4E30-90FC-3F58CB2BC296}" presName="rootConnector" presStyleLbl="node3" presStyleIdx="10" presStyleCnt="26"/>
+      <dgm:prSet presAssocID="{362EF52E-8718-4E30-90FC-3F58CB2BC296}" presName="rootConnector" presStyleLbl="node3" presStyleIdx="8" presStyleCnt="24"/>
       <dgm:spPr/>
     </dgm:pt>
     <dgm:pt modelId="{CCFF9ACF-726E-440C-845F-B1B608BF1F1B}" type="pres">
@@ -3543,7 +3472,7 @@
       <dgm:spPr/>
     </dgm:pt>
     <dgm:pt modelId="{AEAC1E96-148E-4419-983F-717BB3615B2A}" type="pres">
-      <dgm:prSet presAssocID="{63920EFD-C076-4EA7-8A8F-75B0F1937E19}" presName="Name37" presStyleLbl="parChTrans1D3" presStyleIdx="11" presStyleCnt="26"/>
+      <dgm:prSet presAssocID="{63920EFD-C076-4EA7-8A8F-75B0F1937E19}" presName="Name37" presStyleLbl="parChTrans1D3" presStyleIdx="9" presStyleCnt="24"/>
       <dgm:spPr/>
     </dgm:pt>
     <dgm:pt modelId="{A632A1B9-DA0A-47E8-A350-DD3F39A50781}" type="pres">
@@ -3559,7 +3488,7 @@
       <dgm:spPr/>
     </dgm:pt>
     <dgm:pt modelId="{F8FDE154-381C-4D06-9BF5-385640C127B0}" type="pres">
-      <dgm:prSet presAssocID="{7B11E13B-F80D-4F7A-A09B-4C27A6FCB079}" presName="rootText" presStyleLbl="node3" presStyleIdx="11" presStyleCnt="26">
+      <dgm:prSet presAssocID="{7B11E13B-F80D-4F7A-A09B-4C27A6FCB079}" presName="rootText" presStyleLbl="node3" presStyleIdx="9" presStyleCnt="24">
         <dgm:presLayoutVars>
           <dgm:chPref val="3"/>
         </dgm:presLayoutVars>
@@ -3567,7 +3496,7 @@
       <dgm:spPr/>
     </dgm:pt>
     <dgm:pt modelId="{CC944D1C-027A-43C5-A188-04DFFE338205}" type="pres">
-      <dgm:prSet presAssocID="{7B11E13B-F80D-4F7A-A09B-4C27A6FCB079}" presName="rootConnector" presStyleLbl="node3" presStyleIdx="11" presStyleCnt="26"/>
+      <dgm:prSet presAssocID="{7B11E13B-F80D-4F7A-A09B-4C27A6FCB079}" presName="rootConnector" presStyleLbl="node3" presStyleIdx="9" presStyleCnt="24"/>
       <dgm:spPr/>
     </dgm:pt>
     <dgm:pt modelId="{9F08ACDE-52B8-4BC7-AC72-F17879DDDC90}" type="pres">
@@ -3579,7 +3508,7 @@
       <dgm:spPr/>
     </dgm:pt>
     <dgm:pt modelId="{B8A562CA-37C7-4E9A-A5C1-7AA497782F67}" type="pres">
-      <dgm:prSet presAssocID="{C13942A2-793E-4D71-94F2-4400A87F86D4}" presName="Name37" presStyleLbl="parChTrans1D3" presStyleIdx="12" presStyleCnt="26"/>
+      <dgm:prSet presAssocID="{C13942A2-793E-4D71-94F2-4400A87F86D4}" presName="Name37" presStyleLbl="parChTrans1D3" presStyleIdx="10" presStyleCnt="24"/>
       <dgm:spPr/>
     </dgm:pt>
     <dgm:pt modelId="{BC016413-36AC-4402-9934-2894130AF3C4}" type="pres">
@@ -3595,7 +3524,7 @@
       <dgm:spPr/>
     </dgm:pt>
     <dgm:pt modelId="{CFD136FD-E1B0-4194-945B-05CCDCE6E932}" type="pres">
-      <dgm:prSet presAssocID="{A9B92933-70BB-4190-87BE-F9C0EDDAA7D1}" presName="rootText" presStyleLbl="node3" presStyleIdx="12" presStyleCnt="26">
+      <dgm:prSet presAssocID="{A9B92933-70BB-4190-87BE-F9C0EDDAA7D1}" presName="rootText" presStyleLbl="node3" presStyleIdx="10" presStyleCnt="24">
         <dgm:presLayoutVars>
           <dgm:chPref val="3"/>
         </dgm:presLayoutVars>
@@ -3603,7 +3532,7 @@
       <dgm:spPr/>
     </dgm:pt>
     <dgm:pt modelId="{821A0C6E-D844-4156-86BD-C934CEEA0029}" type="pres">
-      <dgm:prSet presAssocID="{A9B92933-70BB-4190-87BE-F9C0EDDAA7D1}" presName="rootConnector" presStyleLbl="node3" presStyleIdx="12" presStyleCnt="26"/>
+      <dgm:prSet presAssocID="{A9B92933-70BB-4190-87BE-F9C0EDDAA7D1}" presName="rootConnector" presStyleLbl="node3" presStyleIdx="10" presStyleCnt="24"/>
       <dgm:spPr/>
     </dgm:pt>
     <dgm:pt modelId="{36E29BFF-FB73-4396-895E-E33CE4EEBA1A}" type="pres">
@@ -3651,7 +3580,7 @@
       <dgm:spPr/>
     </dgm:pt>
     <dgm:pt modelId="{D75B0DB3-8540-4B4A-9FE7-69097A5FE6D5}" type="pres">
-      <dgm:prSet presAssocID="{2247410D-6AB8-4244-91A8-B2356D78186A}" presName="Name37" presStyleLbl="parChTrans1D3" presStyleIdx="13" presStyleCnt="26"/>
+      <dgm:prSet presAssocID="{2247410D-6AB8-4244-91A8-B2356D78186A}" presName="Name37" presStyleLbl="parChTrans1D3" presStyleIdx="11" presStyleCnt="24"/>
       <dgm:spPr/>
     </dgm:pt>
     <dgm:pt modelId="{8EDD63C1-58C5-4D66-BD32-DC5A1D53A95E}" type="pres">
@@ -3667,7 +3596,7 @@
       <dgm:spPr/>
     </dgm:pt>
     <dgm:pt modelId="{ADF0F08F-AF55-495E-9C65-D05F99BC8BDB}" type="pres">
-      <dgm:prSet presAssocID="{F3E6284B-4F2E-4320-90AD-A82E673F5AAB}" presName="rootText" presStyleLbl="node3" presStyleIdx="13" presStyleCnt="26">
+      <dgm:prSet presAssocID="{F3E6284B-4F2E-4320-90AD-A82E673F5AAB}" presName="rootText" presStyleLbl="node3" presStyleIdx="11" presStyleCnt="24">
         <dgm:presLayoutVars>
           <dgm:chPref val="3"/>
         </dgm:presLayoutVars>
@@ -3675,7 +3604,7 @@
       <dgm:spPr/>
     </dgm:pt>
     <dgm:pt modelId="{CCC8B1C9-B0EC-465F-98EE-E61FBA0BACA6}" type="pres">
-      <dgm:prSet presAssocID="{F3E6284B-4F2E-4320-90AD-A82E673F5AAB}" presName="rootConnector" presStyleLbl="node3" presStyleIdx="13" presStyleCnt="26"/>
+      <dgm:prSet presAssocID="{F3E6284B-4F2E-4320-90AD-A82E673F5AAB}" presName="rootConnector" presStyleLbl="node3" presStyleIdx="11" presStyleCnt="24"/>
       <dgm:spPr/>
     </dgm:pt>
     <dgm:pt modelId="{BFE00F91-D057-4A6C-8DA6-8C3750B12729}" type="pres">
@@ -3687,7 +3616,7 @@
       <dgm:spPr/>
     </dgm:pt>
     <dgm:pt modelId="{874B4C91-5193-4BE5-AB56-9C3CE2B8FD14}" type="pres">
-      <dgm:prSet presAssocID="{85DD6758-C5C9-4828-800B-9F3DD966DCA5}" presName="Name37" presStyleLbl="parChTrans1D3" presStyleIdx="14" presStyleCnt="26"/>
+      <dgm:prSet presAssocID="{85DD6758-C5C9-4828-800B-9F3DD966DCA5}" presName="Name37" presStyleLbl="parChTrans1D3" presStyleIdx="12" presStyleCnt="24"/>
       <dgm:spPr/>
     </dgm:pt>
     <dgm:pt modelId="{942355C0-95F5-4555-AE69-8F8DE68535D3}" type="pres">
@@ -3703,7 +3632,7 @@
       <dgm:spPr/>
     </dgm:pt>
     <dgm:pt modelId="{CEFD2E1B-0F8E-467D-AB1D-A400A092B5D8}" type="pres">
-      <dgm:prSet presAssocID="{F944A7D7-E61B-41BF-A57A-1A5C7192734A}" presName="rootText" presStyleLbl="node3" presStyleIdx="14" presStyleCnt="26">
+      <dgm:prSet presAssocID="{F944A7D7-E61B-41BF-A57A-1A5C7192734A}" presName="rootText" presStyleLbl="node3" presStyleIdx="12" presStyleCnt="24">
         <dgm:presLayoutVars>
           <dgm:chPref val="3"/>
         </dgm:presLayoutVars>
@@ -3711,7 +3640,7 @@
       <dgm:spPr/>
     </dgm:pt>
     <dgm:pt modelId="{AF4AECF4-EF52-4F45-B8EA-FAEEB3F67F43}" type="pres">
-      <dgm:prSet presAssocID="{F944A7D7-E61B-41BF-A57A-1A5C7192734A}" presName="rootConnector" presStyleLbl="node3" presStyleIdx="14" presStyleCnt="26"/>
+      <dgm:prSet presAssocID="{F944A7D7-E61B-41BF-A57A-1A5C7192734A}" presName="rootConnector" presStyleLbl="node3" presStyleIdx="12" presStyleCnt="24"/>
       <dgm:spPr/>
     </dgm:pt>
     <dgm:pt modelId="{CD577672-19B9-413A-AD67-B133F337C1DD}" type="pres">
@@ -3723,7 +3652,7 @@
       <dgm:spPr/>
     </dgm:pt>
     <dgm:pt modelId="{31B7778F-4707-472F-866A-AF09BFC2B0E7}" type="pres">
-      <dgm:prSet presAssocID="{D425BF13-D76C-4B0C-BC99-C8C3B345F827}" presName="Name37" presStyleLbl="parChTrans1D3" presStyleIdx="15" presStyleCnt="26"/>
+      <dgm:prSet presAssocID="{D425BF13-D76C-4B0C-BC99-C8C3B345F827}" presName="Name37" presStyleLbl="parChTrans1D3" presStyleIdx="13" presStyleCnt="24"/>
       <dgm:spPr/>
     </dgm:pt>
     <dgm:pt modelId="{E695AF25-D4C9-4E7D-A4D3-652EB177A263}" type="pres">
@@ -3739,7 +3668,7 @@
       <dgm:spPr/>
     </dgm:pt>
     <dgm:pt modelId="{EE28B2D8-4B45-43BD-8CCF-60EF180E2588}" type="pres">
-      <dgm:prSet presAssocID="{EC360C0B-8463-489A-A1DE-F73F5B396F22}" presName="rootText" presStyleLbl="node3" presStyleIdx="15" presStyleCnt="26">
+      <dgm:prSet presAssocID="{EC360C0B-8463-489A-A1DE-F73F5B396F22}" presName="rootText" presStyleLbl="node3" presStyleIdx="13" presStyleCnt="24">
         <dgm:presLayoutVars>
           <dgm:chPref val="3"/>
         </dgm:presLayoutVars>
@@ -3747,7 +3676,7 @@
       <dgm:spPr/>
     </dgm:pt>
     <dgm:pt modelId="{A1AB5182-3876-46BE-8F52-81E5FD4A90CA}" type="pres">
-      <dgm:prSet presAssocID="{EC360C0B-8463-489A-A1DE-F73F5B396F22}" presName="rootConnector" presStyleLbl="node3" presStyleIdx="15" presStyleCnt="26"/>
+      <dgm:prSet presAssocID="{EC360C0B-8463-489A-A1DE-F73F5B396F22}" presName="rootConnector" presStyleLbl="node3" presStyleIdx="13" presStyleCnt="24"/>
       <dgm:spPr/>
     </dgm:pt>
     <dgm:pt modelId="{FF11EA36-27D2-447E-9F93-420B0E75EA4C}" type="pres">
@@ -3759,7 +3688,7 @@
       <dgm:spPr/>
     </dgm:pt>
     <dgm:pt modelId="{14944157-B8B8-43C2-AC34-5A11CE2D953C}" type="pres">
-      <dgm:prSet presAssocID="{47069722-CE88-485D-968A-FF94F607931F}" presName="Name37" presStyleLbl="parChTrans1D3" presStyleIdx="16" presStyleCnt="26"/>
+      <dgm:prSet presAssocID="{47069722-CE88-485D-968A-FF94F607931F}" presName="Name37" presStyleLbl="parChTrans1D3" presStyleIdx="14" presStyleCnt="24"/>
       <dgm:spPr/>
     </dgm:pt>
     <dgm:pt modelId="{61252075-E144-423B-9176-A40361896433}" type="pres">
@@ -3775,7 +3704,7 @@
       <dgm:spPr/>
     </dgm:pt>
     <dgm:pt modelId="{28CD212C-B9B7-469D-BFE5-E421A9E99FBD}" type="pres">
-      <dgm:prSet presAssocID="{E199CF06-B847-47FB-BE4B-FD7E426FC1CC}" presName="rootText" presStyleLbl="node3" presStyleIdx="16" presStyleCnt="26">
+      <dgm:prSet presAssocID="{E199CF06-B847-47FB-BE4B-FD7E426FC1CC}" presName="rootText" presStyleLbl="node3" presStyleIdx="14" presStyleCnt="24">
         <dgm:presLayoutVars>
           <dgm:chPref val="3"/>
         </dgm:presLayoutVars>
@@ -3783,7 +3712,7 @@
       <dgm:spPr/>
     </dgm:pt>
     <dgm:pt modelId="{9906E67D-187A-48E5-921C-122434D5D939}" type="pres">
-      <dgm:prSet presAssocID="{E199CF06-B847-47FB-BE4B-FD7E426FC1CC}" presName="rootConnector" presStyleLbl="node3" presStyleIdx="16" presStyleCnt="26"/>
+      <dgm:prSet presAssocID="{E199CF06-B847-47FB-BE4B-FD7E426FC1CC}" presName="rootConnector" presStyleLbl="node3" presStyleIdx="14" presStyleCnt="24"/>
       <dgm:spPr/>
     </dgm:pt>
     <dgm:pt modelId="{4533D798-BC0A-47B4-9585-8498D45D4B1A}" type="pres">
@@ -3795,7 +3724,7 @@
       <dgm:spPr/>
     </dgm:pt>
     <dgm:pt modelId="{81B2E414-78DD-4A59-A331-07F0F9AD5775}" type="pres">
-      <dgm:prSet presAssocID="{43D51831-2867-448D-87CC-F7BD569C1992}" presName="Name37" presStyleLbl="parChTrans1D3" presStyleIdx="17" presStyleCnt="26"/>
+      <dgm:prSet presAssocID="{43D51831-2867-448D-87CC-F7BD569C1992}" presName="Name37" presStyleLbl="parChTrans1D3" presStyleIdx="15" presStyleCnt="24"/>
       <dgm:spPr/>
     </dgm:pt>
     <dgm:pt modelId="{1CE38CB5-3B5D-46D7-A916-9554BCFC1145}" type="pres">
@@ -3811,7 +3740,7 @@
       <dgm:spPr/>
     </dgm:pt>
     <dgm:pt modelId="{543DC587-6FB8-44DA-89DE-80575B03FB6A}" type="pres">
-      <dgm:prSet presAssocID="{13004446-63C3-43C7-8546-A0E72DD4C4E7}" presName="rootText" presStyleLbl="node3" presStyleIdx="17" presStyleCnt="26">
+      <dgm:prSet presAssocID="{13004446-63C3-43C7-8546-A0E72DD4C4E7}" presName="rootText" presStyleLbl="node3" presStyleIdx="15" presStyleCnt="24">
         <dgm:presLayoutVars>
           <dgm:chPref val="3"/>
         </dgm:presLayoutVars>
@@ -3819,7 +3748,7 @@
       <dgm:spPr/>
     </dgm:pt>
     <dgm:pt modelId="{B4A5B289-FB04-4367-A253-B0758BAEC656}" type="pres">
-      <dgm:prSet presAssocID="{13004446-63C3-43C7-8546-A0E72DD4C4E7}" presName="rootConnector" presStyleLbl="node3" presStyleIdx="17" presStyleCnt="26"/>
+      <dgm:prSet presAssocID="{13004446-63C3-43C7-8546-A0E72DD4C4E7}" presName="rootConnector" presStyleLbl="node3" presStyleIdx="15" presStyleCnt="24"/>
       <dgm:spPr/>
     </dgm:pt>
     <dgm:pt modelId="{6FC466F8-5D51-484E-96F7-59963C7604A0}" type="pres">
@@ -3831,7 +3760,7 @@
       <dgm:spPr/>
     </dgm:pt>
     <dgm:pt modelId="{157EAA0A-534E-41FA-8BD0-6CA74B3F2890}" type="pres">
-      <dgm:prSet presAssocID="{9A5B0913-2DD7-474A-A2BF-82B35DB77120}" presName="Name37" presStyleLbl="parChTrans1D3" presStyleIdx="18" presStyleCnt="26"/>
+      <dgm:prSet presAssocID="{9A5B0913-2DD7-474A-A2BF-82B35DB77120}" presName="Name37" presStyleLbl="parChTrans1D3" presStyleIdx="16" presStyleCnt="24"/>
       <dgm:spPr/>
     </dgm:pt>
     <dgm:pt modelId="{0B5F4525-EF0B-4BCE-A15A-DFB340DA1789}" type="pres">
@@ -3847,7 +3776,7 @@
       <dgm:spPr/>
     </dgm:pt>
     <dgm:pt modelId="{E82B9621-AD65-44D7-9BC6-877381528B95}" type="pres">
-      <dgm:prSet presAssocID="{30BFC62C-3428-4044-AD6C-A5B5A292E27A}" presName="rootText" presStyleLbl="node3" presStyleIdx="18" presStyleCnt="26">
+      <dgm:prSet presAssocID="{30BFC62C-3428-4044-AD6C-A5B5A292E27A}" presName="rootText" presStyleLbl="node3" presStyleIdx="16" presStyleCnt="24">
         <dgm:presLayoutVars>
           <dgm:chPref val="3"/>
         </dgm:presLayoutVars>
@@ -3855,7 +3784,7 @@
       <dgm:spPr/>
     </dgm:pt>
     <dgm:pt modelId="{BEB81235-F991-4F47-AB96-F616C9EC4249}" type="pres">
-      <dgm:prSet presAssocID="{30BFC62C-3428-4044-AD6C-A5B5A292E27A}" presName="rootConnector" presStyleLbl="node3" presStyleIdx="18" presStyleCnt="26"/>
+      <dgm:prSet presAssocID="{30BFC62C-3428-4044-AD6C-A5B5A292E27A}" presName="rootConnector" presStyleLbl="node3" presStyleIdx="16" presStyleCnt="24"/>
       <dgm:spPr/>
     </dgm:pt>
     <dgm:pt modelId="{FCEE4239-F58C-4839-BD74-F94BE3E256D9}" type="pres">
@@ -3867,7 +3796,7 @@
       <dgm:spPr/>
     </dgm:pt>
     <dgm:pt modelId="{E0137071-3B91-432A-AAD1-7E80358819F8}" type="pres">
-      <dgm:prSet presAssocID="{B5E33012-4A7E-430F-B3D5-54171CC3FA95}" presName="Name37" presStyleLbl="parChTrans1D3" presStyleIdx="19" presStyleCnt="26"/>
+      <dgm:prSet presAssocID="{B5E33012-4A7E-430F-B3D5-54171CC3FA95}" presName="Name37" presStyleLbl="parChTrans1D3" presStyleIdx="17" presStyleCnt="24"/>
       <dgm:spPr/>
     </dgm:pt>
     <dgm:pt modelId="{B665CC25-549C-4149-BDA8-EE5BB5C5435A}" type="pres">
@@ -3883,7 +3812,7 @@
       <dgm:spPr/>
     </dgm:pt>
     <dgm:pt modelId="{88DE68D2-D383-4C45-A4AB-BF9DAE0133BF}" type="pres">
-      <dgm:prSet presAssocID="{8E082EDD-B021-4C94-945D-B3775CBFB8B6}" presName="rootText" presStyleLbl="node3" presStyleIdx="19" presStyleCnt="26">
+      <dgm:prSet presAssocID="{8E082EDD-B021-4C94-945D-B3775CBFB8B6}" presName="rootText" presStyleLbl="node3" presStyleIdx="17" presStyleCnt="24">
         <dgm:presLayoutVars>
           <dgm:chPref val="3"/>
         </dgm:presLayoutVars>
@@ -3891,7 +3820,7 @@
       <dgm:spPr/>
     </dgm:pt>
     <dgm:pt modelId="{3E198C41-C63D-4FC2-9AE0-D4207754E6ED}" type="pres">
-      <dgm:prSet presAssocID="{8E082EDD-B021-4C94-945D-B3775CBFB8B6}" presName="rootConnector" presStyleLbl="node3" presStyleIdx="19" presStyleCnt="26"/>
+      <dgm:prSet presAssocID="{8E082EDD-B021-4C94-945D-B3775CBFB8B6}" presName="rootConnector" presStyleLbl="node3" presStyleIdx="17" presStyleCnt="24"/>
       <dgm:spPr/>
     </dgm:pt>
     <dgm:pt modelId="{73F7120D-FCB8-48BE-85F5-0B3035A2ADDB}" type="pres">
@@ -3903,7 +3832,7 @@
       <dgm:spPr/>
     </dgm:pt>
     <dgm:pt modelId="{93E78C10-682E-44F7-B29B-33DB7D3DA1B7}" type="pres">
-      <dgm:prSet presAssocID="{5D187268-5E28-4B07-9FE0-054333C360A4}" presName="Name37" presStyleLbl="parChTrans1D3" presStyleIdx="20" presStyleCnt="26"/>
+      <dgm:prSet presAssocID="{5D187268-5E28-4B07-9FE0-054333C360A4}" presName="Name37" presStyleLbl="parChTrans1D3" presStyleIdx="18" presStyleCnt="24"/>
       <dgm:spPr/>
     </dgm:pt>
     <dgm:pt modelId="{21903B14-6FBA-4BC4-9429-BF0A908C636B}" type="pres">
@@ -3919,7 +3848,7 @@
       <dgm:spPr/>
     </dgm:pt>
     <dgm:pt modelId="{AB8E44F8-5B82-45A3-A2AC-625663598544}" type="pres">
-      <dgm:prSet presAssocID="{C726AB05-9393-4856-8BCD-E84436DB96F2}" presName="rootText" presStyleLbl="node3" presStyleIdx="20" presStyleCnt="26">
+      <dgm:prSet presAssocID="{C726AB05-9393-4856-8BCD-E84436DB96F2}" presName="rootText" presStyleLbl="node3" presStyleIdx="18" presStyleCnt="24">
         <dgm:presLayoutVars>
           <dgm:chPref val="3"/>
         </dgm:presLayoutVars>
@@ -3927,7 +3856,7 @@
       <dgm:spPr/>
     </dgm:pt>
     <dgm:pt modelId="{9BAB3C57-9143-4696-802F-1D9AA5220902}" type="pres">
-      <dgm:prSet presAssocID="{C726AB05-9393-4856-8BCD-E84436DB96F2}" presName="rootConnector" presStyleLbl="node3" presStyleIdx="20" presStyleCnt="26"/>
+      <dgm:prSet presAssocID="{C726AB05-9393-4856-8BCD-E84436DB96F2}" presName="rootConnector" presStyleLbl="node3" presStyleIdx="18" presStyleCnt="24"/>
       <dgm:spPr/>
     </dgm:pt>
     <dgm:pt modelId="{7CCEA83B-2A67-40FD-93BC-D18E7784ABEC}" type="pres">
@@ -3975,7 +3904,7 @@
       <dgm:spPr/>
     </dgm:pt>
     <dgm:pt modelId="{94A556E3-C657-4361-B9AD-AB3E40115D4A}" type="pres">
-      <dgm:prSet presAssocID="{944DFF11-E7F1-48A6-88BC-1F5C31C8A1C9}" presName="Name37" presStyleLbl="parChTrans1D3" presStyleIdx="21" presStyleCnt="26"/>
+      <dgm:prSet presAssocID="{944DFF11-E7F1-48A6-88BC-1F5C31C8A1C9}" presName="Name37" presStyleLbl="parChTrans1D3" presStyleIdx="19" presStyleCnt="24"/>
       <dgm:spPr/>
     </dgm:pt>
     <dgm:pt modelId="{9511D4F2-2017-45A7-8036-D3D569294875}" type="pres">
@@ -3991,7 +3920,7 @@
       <dgm:spPr/>
     </dgm:pt>
     <dgm:pt modelId="{65E83753-ED88-4104-8775-06E5268069F0}" type="pres">
-      <dgm:prSet presAssocID="{3E0510C9-50CB-4516-A882-B3B3D2A4CA78}" presName="rootText" presStyleLbl="node3" presStyleIdx="21" presStyleCnt="26">
+      <dgm:prSet presAssocID="{3E0510C9-50CB-4516-A882-B3B3D2A4CA78}" presName="rootText" presStyleLbl="node3" presStyleIdx="19" presStyleCnt="24">
         <dgm:presLayoutVars>
           <dgm:chPref val="3"/>
         </dgm:presLayoutVars>
@@ -3999,7 +3928,7 @@
       <dgm:spPr/>
     </dgm:pt>
     <dgm:pt modelId="{E13721D6-8116-400C-8439-F6A6036754CA}" type="pres">
-      <dgm:prSet presAssocID="{3E0510C9-50CB-4516-A882-B3B3D2A4CA78}" presName="rootConnector" presStyleLbl="node3" presStyleIdx="21" presStyleCnt="26"/>
+      <dgm:prSet presAssocID="{3E0510C9-50CB-4516-A882-B3B3D2A4CA78}" presName="rootConnector" presStyleLbl="node3" presStyleIdx="19" presStyleCnt="24"/>
       <dgm:spPr/>
     </dgm:pt>
     <dgm:pt modelId="{831A219F-10ED-4856-9B89-4DA7DE9EE21F}" type="pres">
@@ -4011,7 +3940,7 @@
       <dgm:spPr/>
     </dgm:pt>
     <dgm:pt modelId="{13278C13-BB7C-4DA1-9A88-56880C2DE63D}" type="pres">
-      <dgm:prSet presAssocID="{7ADD0311-9D5D-4D8F-AA9B-07F4F35B0C29}" presName="Name37" presStyleLbl="parChTrans1D3" presStyleIdx="22" presStyleCnt="26"/>
+      <dgm:prSet presAssocID="{7ADD0311-9D5D-4D8F-AA9B-07F4F35B0C29}" presName="Name37" presStyleLbl="parChTrans1D3" presStyleIdx="20" presStyleCnt="24"/>
       <dgm:spPr/>
     </dgm:pt>
     <dgm:pt modelId="{3F490D4F-E923-4446-BD0E-8FDC566C7F9E}" type="pres">
@@ -4027,7 +3956,7 @@
       <dgm:spPr/>
     </dgm:pt>
     <dgm:pt modelId="{DEEA276F-5B87-4AF4-882E-891373CA2CB6}" type="pres">
-      <dgm:prSet presAssocID="{2E559B4F-02CE-4C8A-BAF4-F6DC746D4FD5}" presName="rootText" presStyleLbl="node3" presStyleIdx="22" presStyleCnt="26">
+      <dgm:prSet presAssocID="{2E559B4F-02CE-4C8A-BAF4-F6DC746D4FD5}" presName="rootText" presStyleLbl="node3" presStyleIdx="20" presStyleCnt="24">
         <dgm:presLayoutVars>
           <dgm:chPref val="3"/>
         </dgm:presLayoutVars>
@@ -4035,7 +3964,7 @@
       <dgm:spPr/>
     </dgm:pt>
     <dgm:pt modelId="{818C7113-CED5-4349-9B4F-20405A2AF7D6}" type="pres">
-      <dgm:prSet presAssocID="{2E559B4F-02CE-4C8A-BAF4-F6DC746D4FD5}" presName="rootConnector" presStyleLbl="node3" presStyleIdx="22" presStyleCnt="26"/>
+      <dgm:prSet presAssocID="{2E559B4F-02CE-4C8A-BAF4-F6DC746D4FD5}" presName="rootConnector" presStyleLbl="node3" presStyleIdx="20" presStyleCnt="24"/>
       <dgm:spPr/>
     </dgm:pt>
     <dgm:pt modelId="{69D8495A-5C33-4EE6-9AE3-694D9773CAA9}" type="pres">
@@ -4083,7 +4012,7 @@
       <dgm:spPr/>
     </dgm:pt>
     <dgm:pt modelId="{6A7FFC04-DE0C-408B-8CB0-397100127F2F}" type="pres">
-      <dgm:prSet presAssocID="{4152202B-DA47-411D-A626-01829192DFD8}" presName="Name37" presStyleLbl="parChTrans1D3" presStyleIdx="23" presStyleCnt="26"/>
+      <dgm:prSet presAssocID="{4152202B-DA47-411D-A626-01829192DFD8}" presName="Name37" presStyleLbl="parChTrans1D3" presStyleIdx="21" presStyleCnt="24"/>
       <dgm:spPr/>
     </dgm:pt>
     <dgm:pt modelId="{5B892D83-2E73-4784-8499-929E62DAEF2D}" type="pres">
@@ -4099,7 +4028,7 @@
       <dgm:spPr/>
     </dgm:pt>
     <dgm:pt modelId="{42372DE0-382C-461D-84E3-60D040B41991}" type="pres">
-      <dgm:prSet presAssocID="{167B2A51-C8F1-44EB-A1B0-D765AD0E489E}" presName="rootText" presStyleLbl="node3" presStyleIdx="23" presStyleCnt="26">
+      <dgm:prSet presAssocID="{167B2A51-C8F1-44EB-A1B0-D765AD0E489E}" presName="rootText" presStyleLbl="node3" presStyleIdx="21" presStyleCnt="24">
         <dgm:presLayoutVars>
           <dgm:chPref val="3"/>
         </dgm:presLayoutVars>
@@ -4107,7 +4036,7 @@
       <dgm:spPr/>
     </dgm:pt>
     <dgm:pt modelId="{8EC3D62E-61B2-4D24-98ED-9A9631F38648}" type="pres">
-      <dgm:prSet presAssocID="{167B2A51-C8F1-44EB-A1B0-D765AD0E489E}" presName="rootConnector" presStyleLbl="node3" presStyleIdx="23" presStyleCnt="26"/>
+      <dgm:prSet presAssocID="{167B2A51-C8F1-44EB-A1B0-D765AD0E489E}" presName="rootConnector" presStyleLbl="node3" presStyleIdx="21" presStyleCnt="24"/>
       <dgm:spPr/>
     </dgm:pt>
     <dgm:pt modelId="{7F260E6A-8983-4640-A0BF-CDEE42190ACC}" type="pres">
@@ -4119,7 +4048,7 @@
       <dgm:spPr/>
     </dgm:pt>
     <dgm:pt modelId="{FFD257F5-4C57-49AA-A4EF-50305559E62C}" type="pres">
-      <dgm:prSet presAssocID="{C897D6BA-0AF9-45CD-BD6C-D1BC3D99DF29}" presName="Name37" presStyleLbl="parChTrans1D3" presStyleIdx="24" presStyleCnt="26"/>
+      <dgm:prSet presAssocID="{C897D6BA-0AF9-45CD-BD6C-D1BC3D99DF29}" presName="Name37" presStyleLbl="parChTrans1D3" presStyleIdx="22" presStyleCnt="24"/>
       <dgm:spPr/>
     </dgm:pt>
     <dgm:pt modelId="{E96E9F18-F954-4985-A857-E06567C21577}" type="pres">
@@ -4135,7 +4064,7 @@
       <dgm:spPr/>
     </dgm:pt>
     <dgm:pt modelId="{04AB4715-821B-4626-9F23-121747D9C52D}" type="pres">
-      <dgm:prSet presAssocID="{8A1AC929-EE2C-4E68-BED5-992E8E625EAD}" presName="rootText" presStyleLbl="node3" presStyleIdx="24" presStyleCnt="26">
+      <dgm:prSet presAssocID="{8A1AC929-EE2C-4E68-BED5-992E8E625EAD}" presName="rootText" presStyleLbl="node3" presStyleIdx="22" presStyleCnt="24">
         <dgm:presLayoutVars>
           <dgm:chPref val="3"/>
         </dgm:presLayoutVars>
@@ -4143,7 +4072,7 @@
       <dgm:spPr/>
     </dgm:pt>
     <dgm:pt modelId="{57E42616-1426-4EB9-8565-7D48A508C491}" type="pres">
-      <dgm:prSet presAssocID="{8A1AC929-EE2C-4E68-BED5-992E8E625EAD}" presName="rootConnector" presStyleLbl="node3" presStyleIdx="24" presStyleCnt="26"/>
+      <dgm:prSet presAssocID="{8A1AC929-EE2C-4E68-BED5-992E8E625EAD}" presName="rootConnector" presStyleLbl="node3" presStyleIdx="22" presStyleCnt="24"/>
       <dgm:spPr/>
     </dgm:pt>
     <dgm:pt modelId="{5B01DAA4-9569-4DED-A44A-F9C94B87FBD0}" type="pres">
@@ -4155,7 +4084,7 @@
       <dgm:spPr/>
     </dgm:pt>
     <dgm:pt modelId="{98DC70FD-13D0-4C21-B16D-46BA8831CDF5}" type="pres">
-      <dgm:prSet presAssocID="{91199F51-30D2-4095-A189-A50F5EA35E75}" presName="Name37" presStyleLbl="parChTrans1D3" presStyleIdx="25" presStyleCnt="26"/>
+      <dgm:prSet presAssocID="{91199F51-30D2-4095-A189-A50F5EA35E75}" presName="Name37" presStyleLbl="parChTrans1D3" presStyleIdx="23" presStyleCnt="24"/>
       <dgm:spPr/>
     </dgm:pt>
     <dgm:pt modelId="{3F2D83BE-33E1-48E3-A883-1C1DAFFE34D3}" type="pres">
@@ -4171,7 +4100,7 @@
       <dgm:spPr/>
     </dgm:pt>
     <dgm:pt modelId="{5D7C7E26-17F2-46C1-B028-3A842B2A5D1C}" type="pres">
-      <dgm:prSet presAssocID="{08EF6E2C-470A-4509-BF43-DA6D326E5821}" presName="rootText" presStyleLbl="node3" presStyleIdx="25" presStyleCnt="26">
+      <dgm:prSet presAssocID="{08EF6E2C-470A-4509-BF43-DA6D326E5821}" presName="rootText" presStyleLbl="node3" presStyleIdx="23" presStyleCnt="24">
         <dgm:presLayoutVars>
           <dgm:chPref val="3"/>
         </dgm:presLayoutVars>
@@ -4179,7 +4108,7 @@
       <dgm:spPr/>
     </dgm:pt>
     <dgm:pt modelId="{4099A840-2D43-41BA-8BC6-FFC8B49502A6}" type="pres">
-      <dgm:prSet presAssocID="{08EF6E2C-470A-4509-BF43-DA6D326E5821}" presName="rootConnector" presStyleLbl="node3" presStyleIdx="25" presStyleCnt="26"/>
+      <dgm:prSet presAssocID="{08EF6E2C-470A-4509-BF43-DA6D326E5821}" presName="rootConnector" presStyleLbl="node3" presStyleIdx="23" presStyleCnt="24"/>
       <dgm:spPr/>
     </dgm:pt>
     <dgm:pt modelId="{0C5C79FC-4680-4016-8B70-2526E8F3D397}" type="pres">
@@ -4214,7 +4143,6 @@
     <dgm:cxn modelId="{159F13FC-B2C3-4550-81D5-1871F8477419}" srcId="{903A6B3C-8493-4C6C-9C37-02A52A0B975E}" destId="{2414A38C-268C-4F85-A80A-6CF3656C1C5C}" srcOrd="3" destOrd="0" parTransId="{5A0043DF-E058-40AB-A049-9F0970E48F66}" sibTransId="{01FAF7BA-A7D7-4BDF-BCEF-068578B75943}"/>
     <dgm:cxn modelId="{AB6211AC-B277-4093-87D9-C0290F6CFF7A}" type="presOf" srcId="{D41B9C99-A40F-4368-9683-BB8991B7FED4}" destId="{7D0715D2-FD7A-4983-A2A5-7379511894B4}" srcOrd="0" destOrd="0" presId="urn:microsoft.com/office/officeart/2005/8/layout/orgChart1"/>
     <dgm:cxn modelId="{257C1B1B-418A-4536-B1F4-84A342FDD4D2}" type="presOf" srcId="{E199CF06-B847-47FB-BE4B-FD7E426FC1CC}" destId="{28CD212C-B9B7-469D-BFE5-E421A9E99FBD}" srcOrd="0" destOrd="0" presId="urn:microsoft.com/office/officeart/2005/8/layout/orgChart1"/>
-    <dgm:cxn modelId="{4D674872-43FC-4E7C-B491-255ECE52545C}" srcId="{82B2F14D-F2F2-4517-B753-7FF6925AFA40}" destId="{412BB543-D2DF-4249-954C-90B60BDA6A0E}" srcOrd="2" destOrd="0" parTransId="{D796F228-FF0B-455A-9C58-CB7B992368F7}" sibTransId="{D5E2E346-331B-4163-8EC4-E3DC4361F75B}"/>
     <dgm:cxn modelId="{A7EEC2F1-F79F-4CA5-9C74-8ACD77EE14FB}" type="presOf" srcId="{847C2F3B-D479-4905-82E9-026ED532F16F}" destId="{4465F3C7-3E2F-4F91-8B4E-6FCC0A0E3B40}" srcOrd="0" destOrd="0" presId="urn:microsoft.com/office/officeart/2005/8/layout/orgChart1"/>
     <dgm:cxn modelId="{3E2CEDD4-186F-44B3-9B20-A052E3D0796C}" type="presOf" srcId="{B5E33012-4A7E-430F-B3D5-54171CC3FA95}" destId="{E0137071-3B91-432A-AAD1-7E80358819F8}" srcOrd="0" destOrd="0" presId="urn:microsoft.com/office/officeart/2005/8/layout/orgChart1"/>
     <dgm:cxn modelId="{7607C7ED-D915-4019-A587-06DF17144602}" type="presOf" srcId="{5852E706-AEE7-4460-A911-8EEB5562534A}" destId="{AA4FAB99-A6CC-4EEA-A8CE-85216136FDEB}" srcOrd="0" destOrd="0" presId="urn:microsoft.com/office/officeart/2005/8/layout/orgChart1"/>
@@ -4226,7 +4154,6 @@
     <dgm:cxn modelId="{023D5645-C4D7-4AFB-B441-8450667119FC}" type="presOf" srcId="{EC360C0B-8463-489A-A1DE-F73F5B396F22}" destId="{A1AB5182-3876-46BE-8F52-81E5FD4A90CA}" srcOrd="1" destOrd="0" presId="urn:microsoft.com/office/officeart/2005/8/layout/orgChart1"/>
     <dgm:cxn modelId="{1D8C6946-5EF1-4BD3-B946-004C45CC7206}" type="presOf" srcId="{AF97C274-427E-4A77-BAF9-582F6635C5A4}" destId="{F073C664-6924-4558-97D0-E9F59B752B28}" srcOrd="0" destOrd="0" presId="urn:microsoft.com/office/officeart/2005/8/layout/orgChart1"/>
     <dgm:cxn modelId="{A8926793-DC39-477D-9B4D-6674FD0E736F}" type="presOf" srcId="{F944A7D7-E61B-41BF-A57A-1A5C7192734A}" destId="{CEFD2E1B-0F8E-467D-AB1D-A400A092B5D8}" srcOrd="0" destOrd="0" presId="urn:microsoft.com/office/officeart/2005/8/layout/orgChart1"/>
-    <dgm:cxn modelId="{1E43382C-5FA3-47BD-B761-9C81BB3FA279}" type="presOf" srcId="{5943DF76-C00C-4389-A4C2-B12B92700026}" destId="{52C67249-1702-4DE0-92CC-FB20693C4327}" srcOrd="0" destOrd="0" presId="urn:microsoft.com/office/officeart/2005/8/layout/orgChart1"/>
     <dgm:cxn modelId="{36DCF575-E76A-4FB3-829B-7865C563913B}" type="presOf" srcId="{2414A38C-268C-4F85-A80A-6CF3656C1C5C}" destId="{23811EB7-C2C3-4ED8-9361-7148DD26A67D}" srcOrd="0" destOrd="0" presId="urn:microsoft.com/office/officeart/2005/8/layout/orgChart1"/>
     <dgm:cxn modelId="{4E854C07-840A-41DD-8E17-4F41E79F948C}" type="presOf" srcId="{9F28724E-7170-432D-9C81-1EA2FF0F73D9}" destId="{0DA9D7D4-0903-408C-91D5-582CC0483DE0}" srcOrd="0" destOrd="0" presId="urn:microsoft.com/office/officeart/2005/8/layout/orgChart1"/>
     <dgm:cxn modelId="{99B94394-5C1D-4183-8B31-FE968FE89F3C}" type="presOf" srcId="{781F9A90-C53F-4B8D-9871-8D738A40B043}" destId="{5E1F2F2E-5CB8-4DA0-9551-A74A084B8932}" srcOrd="0" destOrd="0" presId="urn:microsoft.com/office/officeart/2005/8/layout/orgChart1"/>
@@ -4243,7 +4170,6 @@
     <dgm:cxn modelId="{FF12370C-3FB5-4DA8-AB1F-061917B77FA3}" srcId="{847C2F3B-D479-4905-82E9-026ED532F16F}" destId="{876C0A9C-DE15-411B-A57F-BF7D5FF2FE26}" srcOrd="0" destOrd="0" parTransId="{FE93A08A-4510-4B3A-8ECC-726F8A89EDE5}" sibTransId="{DAB61BC1-EA59-42E3-9002-6E20BE2F3354}"/>
     <dgm:cxn modelId="{F1E39867-A716-41B3-8DD5-836F2FC218CE}" type="presOf" srcId="{9A5B0913-2DD7-474A-A2BF-82B35DB77120}" destId="{157EAA0A-534E-41FA-8BD0-6CA74B3F2890}" srcOrd="0" destOrd="0" presId="urn:microsoft.com/office/officeart/2005/8/layout/orgChart1"/>
     <dgm:cxn modelId="{63612636-959D-4369-B0ED-581D0B114D0B}" srcId="{903A6B3C-8493-4C6C-9C37-02A52A0B975E}" destId="{847C2F3B-D479-4905-82E9-026ED532F16F}" srcOrd="2" destOrd="0" parTransId="{8FCA75EF-E336-4691-B0C9-5B89DD15F310}" sibTransId="{DEC40B87-9D4A-4E17-A052-FA7EBD741176}"/>
-    <dgm:cxn modelId="{ECFCC813-0FF6-4AAB-837E-A7E98F6A3ACB}" type="presOf" srcId="{412BB543-D2DF-4249-954C-90B60BDA6A0E}" destId="{320FB1E5-B8E9-45AE-A583-5DA7072B1134}" srcOrd="1" destOrd="0" presId="urn:microsoft.com/office/officeart/2005/8/layout/orgChart1"/>
     <dgm:cxn modelId="{497D0E84-1A8E-4DF4-B874-AAF6EBF5D14B}" type="presOf" srcId="{0FCFA0B5-EA6F-45E6-9685-744499CBB9A9}" destId="{55664BB4-320D-4509-899B-F3628326F49A}" srcOrd="1" destOrd="0" presId="urn:microsoft.com/office/officeart/2005/8/layout/orgChart1"/>
     <dgm:cxn modelId="{78738A3D-5F16-4669-A6A7-763AD9DBA196}" type="presOf" srcId="{E3C7F89B-BEA3-4D84-8771-097201612B75}" destId="{6AF3C81C-4E99-4279-9E8E-198358D7544E}" srcOrd="0" destOrd="0" presId="urn:microsoft.com/office/officeart/2005/8/layout/orgChart1"/>
     <dgm:cxn modelId="{13D34248-1BFB-4F9B-94CE-C39B46F13329}" srcId="{D0950CAB-BE0D-46A2-B064-D24ED3DCCCB8}" destId="{EC360C0B-8463-489A-A1DE-F73F5B396F22}" srcOrd="2" destOrd="0" parTransId="{D425BF13-D76C-4B0C-BC99-C8C3B345F827}" sibTransId="{54543761-F70F-4626-A2B2-09C40F7CC291}"/>
@@ -4257,7 +4183,6 @@
     <dgm:cxn modelId="{22A684CD-625D-4FEE-8A82-4AAC2B7C4ED6}" type="presOf" srcId="{8A1AC929-EE2C-4E68-BED5-992E8E625EAD}" destId="{04AB4715-821B-4626-9F23-121747D9C52D}" srcOrd="0" destOrd="0" presId="urn:microsoft.com/office/officeart/2005/8/layout/orgChart1"/>
     <dgm:cxn modelId="{9533F1E6-F11E-49EB-89E7-802F6A01C861}" type="presOf" srcId="{77A30E82-7DC8-4DF1-8455-C8B507EB8A0B}" destId="{D89A6D89-2E1D-4EEE-9950-544997115C29}" srcOrd="0" destOrd="0" presId="urn:microsoft.com/office/officeart/2005/8/layout/orgChart1"/>
     <dgm:cxn modelId="{6453F86A-20A2-476D-86A3-7A4628870244}" type="presOf" srcId="{847C2F3B-D479-4905-82E9-026ED532F16F}" destId="{9865CCB2-C532-4D51-84AE-3095F2864479}" srcOrd="1" destOrd="0" presId="urn:microsoft.com/office/officeart/2005/8/layout/orgChart1"/>
-    <dgm:cxn modelId="{FC833CCA-67AD-4A25-B7C3-32CB0D6748A3}" type="presOf" srcId="{7870AF7C-A43C-4D3A-A677-653474762900}" destId="{FE39689D-E1FD-441F-81AF-72D3670EB841}" srcOrd="0" destOrd="0" presId="urn:microsoft.com/office/officeart/2005/8/layout/orgChart1"/>
     <dgm:cxn modelId="{FEF38223-9099-4A26-9F5F-375D38BB3141}" type="presOf" srcId="{30BFC62C-3428-4044-AD6C-A5B5A292E27A}" destId="{E82B9621-AD65-44D7-9BC6-877381528B95}" srcOrd="0" destOrd="0" presId="urn:microsoft.com/office/officeart/2005/8/layout/orgChart1"/>
     <dgm:cxn modelId="{1EB88262-AE5D-4A19-87BE-237C739560E9}" type="presOf" srcId="{D0950CAB-BE0D-46A2-B064-D24ED3DCCCB8}" destId="{C318109A-EE2D-46C8-9E22-AB4E7AC58732}" srcOrd="0" destOrd="0" presId="urn:microsoft.com/office/officeart/2005/8/layout/orgChart1"/>
     <dgm:cxn modelId="{D0187E9C-4E14-4CB1-9532-8A695998CA7D}" type="presOf" srcId="{82B2F14D-F2F2-4517-B753-7FF6925AFA40}" destId="{9D647B75-D0E2-43E4-9F14-39854CE5F22C}" srcOrd="0" destOrd="0" presId="urn:microsoft.com/office/officeart/2005/8/layout/orgChart1"/>
@@ -4265,6 +4190,7 @@
     <dgm:cxn modelId="{8CE7F53D-7DD3-4DEA-9FBF-8537DBF4E0A3}" srcId="{D0950CAB-BE0D-46A2-B064-D24ED3DCCCB8}" destId="{30BFC62C-3428-4044-AD6C-A5B5A292E27A}" srcOrd="5" destOrd="0" parTransId="{9A5B0913-2DD7-474A-A2BF-82B35DB77120}" sibTransId="{9DAF5E22-5B3E-400B-A004-2FB4D9EDBA05}"/>
     <dgm:cxn modelId="{C40BEAB2-2895-4BDA-BBAA-60CA0801CAC4}" type="presOf" srcId="{C897D6BA-0AF9-45CD-BD6C-D1BC3D99DF29}" destId="{FFD257F5-4C57-49AA-A4EF-50305559E62C}" srcOrd="0" destOrd="0" presId="urn:microsoft.com/office/officeart/2005/8/layout/orgChart1"/>
     <dgm:cxn modelId="{875C8633-74B3-4167-8B1E-32AA77129440}" type="presOf" srcId="{F3E6284B-4F2E-4320-90AD-A82E673F5AAB}" destId="{ADF0F08F-AF55-495E-9C65-D05F99BC8BDB}" srcOrd="0" destOrd="0" presId="urn:microsoft.com/office/officeart/2005/8/layout/orgChart1"/>
+    <dgm:cxn modelId="{046FDAE0-2340-4D53-8800-BC52EFD61A87}" srcId="{E3C7F89B-BEA3-4D84-8771-097201612B75}" destId="{AC8D52EF-0187-4D25-8F95-BD056A2AAE40}" srcOrd="2" destOrd="0" parTransId="{0D175B8C-702C-4D4F-BBBC-A2AD08C9FFDA}" sibTransId="{532518A4-163B-4A59-B750-C2CDA782FAA5}"/>
     <dgm:cxn modelId="{CAB6E2A0-EF8F-4F68-92AC-A6244A6E990E}" type="presOf" srcId="{57B12144-21F6-4DC2-ACBC-F71D54830534}" destId="{D6898BE6-1419-4B07-9E17-3FE6960D5E3B}" srcOrd="0" destOrd="0" presId="urn:microsoft.com/office/officeart/2005/8/layout/orgChart1"/>
     <dgm:cxn modelId="{B308927F-0BA6-4816-A602-95527B71FA18}" type="presOf" srcId="{2E559B4F-02CE-4C8A-BAF4-F6DC746D4FD5}" destId="{818C7113-CED5-4349-9B4F-20405A2AF7D6}" srcOrd="1" destOrd="0" presId="urn:microsoft.com/office/officeart/2005/8/layout/orgChart1"/>
     <dgm:cxn modelId="{488BAC6E-A6B2-408A-BFE0-D52C552DBCC6}" type="presOf" srcId="{2E559B4F-02CE-4C8A-BAF4-F6DC746D4FD5}" destId="{DEEA276F-5B87-4AF4-882E-891373CA2CB6}" srcOrd="0" destOrd="0" presId="urn:microsoft.com/office/officeart/2005/8/layout/orgChart1"/>
@@ -4272,6 +4198,8 @@
     <dgm:cxn modelId="{058B0E1B-F51D-45CF-9523-3908717734AD}" type="presOf" srcId="{5A314E7B-474F-4E7A-9A93-260A46969949}" destId="{8B8DD91F-9E18-4F6C-AF76-D73AE211C248}" srcOrd="1" destOrd="0" presId="urn:microsoft.com/office/officeart/2005/8/layout/orgChart1"/>
     <dgm:cxn modelId="{7FE3CF05-17E6-464F-9562-B535A64536F8}" srcId="{B6E85D69-BE35-4B02-845F-CF94748B17CE}" destId="{2E559B4F-02CE-4C8A-BAF4-F6DC746D4FD5}" srcOrd="1" destOrd="0" parTransId="{7ADD0311-9D5D-4D8F-AA9B-07F4F35B0C29}" sibTransId="{07D0D4AB-49E2-451E-9E8A-48EF6B8402B0}"/>
     <dgm:cxn modelId="{A7B65698-ACC9-487D-A809-26DA87B842AE}" srcId="{D0950CAB-BE0D-46A2-B064-D24ED3DCCCB8}" destId="{C726AB05-9393-4856-8BCD-E84436DB96F2}" srcOrd="7" destOrd="0" parTransId="{5D187268-5E28-4B07-9FE0-054333C360A4}" sibTransId="{73CCE8E8-7D96-45E3-B848-2B0B7C5F90AE}"/>
+    <dgm:cxn modelId="{74B96F8A-1F77-4AAA-BD91-CC1EB7D77E7C}" type="presOf" srcId="{AC8D52EF-0187-4D25-8F95-BD056A2AAE40}" destId="{0B3450A8-33CB-4EE7-90F4-D2A366553BC8}" srcOrd="1" destOrd="0" presId="urn:microsoft.com/office/officeart/2005/8/layout/orgChart1"/>
+    <dgm:cxn modelId="{C71F4955-7CFF-44C4-876E-33E0F74E0FB7}" type="presOf" srcId="{AC8D52EF-0187-4D25-8F95-BD056A2AAE40}" destId="{70157C85-5F7F-40E9-A825-1F326C471DFF}" srcOrd="0" destOrd="0" presId="urn:microsoft.com/office/officeart/2005/8/layout/orgChart1"/>
     <dgm:cxn modelId="{F65B7676-3989-4506-81D6-9DDE5FC3DF5B}" type="presOf" srcId="{A4F21E37-B964-416A-B597-23C4CDB96A1D}" destId="{05C7B833-2EDD-4EA2-942E-3A8DDF94D93C}" srcOrd="1" destOrd="0" presId="urn:microsoft.com/office/officeart/2005/8/layout/orgChart1"/>
     <dgm:cxn modelId="{20A38A16-FB30-498F-B262-5AB5F5A33E3A}" type="presOf" srcId="{DFEBFE13-41AA-4205-BA4D-EF1D009978FA}" destId="{F1364E01-FC09-4D85-A398-48CD417761D3}" srcOrd="0" destOrd="0" presId="urn:microsoft.com/office/officeart/2005/8/layout/orgChart1"/>
     <dgm:cxn modelId="{81AC7C28-4776-440F-A483-8676BC55C173}" srcId="{2414A38C-268C-4F85-A80A-6CF3656C1C5C}" destId="{7B11E13B-F80D-4F7A-A09B-4C27A6FCB079}" srcOrd="2" destOrd="0" parTransId="{63920EFD-C076-4EA7-8A8F-75B0F1937E19}" sibTransId="{14D42478-64B2-43D1-A66F-131DE2941DC3}"/>
@@ -4285,8 +4213,8 @@
     <dgm:cxn modelId="{B7520437-53E5-4AE8-B276-5EE50D9C3182}" type="presOf" srcId="{EFD96D2E-D8DD-43C9-AE02-056674437ACE}" destId="{12C63A95-07B1-4169-B07E-D174306DB2D2}" srcOrd="0" destOrd="0" presId="urn:microsoft.com/office/officeart/2005/8/layout/orgChart1"/>
     <dgm:cxn modelId="{B52C2C3A-55A6-436C-A72B-22E790ACDEB2}" type="presOf" srcId="{BE00C4BD-76A4-46F4-A814-3EDF89142AB2}" destId="{F24798F6-59CC-4933-9B00-9FC9B92FD0D4}" srcOrd="1" destOrd="0" presId="urn:microsoft.com/office/officeart/2005/8/layout/orgChart1"/>
     <dgm:cxn modelId="{F4D58E68-50EE-4FBA-95D0-F23236B28EF5}" type="presOf" srcId="{876C0A9C-DE15-411B-A57F-BF7D5FF2FE26}" destId="{950A9D42-7967-443C-BE02-A265FC2AB478}" srcOrd="1" destOrd="0" presId="urn:microsoft.com/office/officeart/2005/8/layout/orgChart1"/>
-    <dgm:cxn modelId="{F34815D7-37D0-4A0A-B144-71964983F66B}" type="presOf" srcId="{5943DF76-C00C-4389-A4C2-B12B92700026}" destId="{2541B27E-7223-4B96-8488-6053336F9A3B}" srcOrd="1" destOrd="0" presId="urn:microsoft.com/office/officeart/2005/8/layout/orgChart1"/>
     <dgm:cxn modelId="{D956537B-04C9-45F9-970F-3727FC5B97EF}" type="presOf" srcId="{5A314E7B-474F-4E7A-9A93-260A46969949}" destId="{380D308D-F120-4E38-8634-3C6D8254BC7F}" srcOrd="0" destOrd="0" presId="urn:microsoft.com/office/officeart/2005/8/layout/orgChart1"/>
+    <dgm:cxn modelId="{E5C511B1-295D-449C-A923-916DE5112A38}" type="presOf" srcId="{0D175B8C-702C-4D4F-BBBC-A2AD08C9FFDA}" destId="{D8E78890-69E7-4D82-8EF0-94B76E66DE46}" srcOrd="0" destOrd="0" presId="urn:microsoft.com/office/officeart/2005/8/layout/orgChart1"/>
     <dgm:cxn modelId="{707B290F-AC55-4FAE-AB10-2FFE5A4481D5}" type="presOf" srcId="{63920EFD-C076-4EA7-8A8F-75B0F1937E19}" destId="{AEAC1E96-148E-4419-983F-717BB3615B2A}" srcOrd="0" destOrd="0" presId="urn:microsoft.com/office/officeart/2005/8/layout/orgChart1"/>
     <dgm:cxn modelId="{20D49B02-A862-402C-8B4F-03B124170476}" type="presOf" srcId="{7B11E13B-F80D-4F7A-A09B-4C27A6FCB079}" destId="{CC944D1C-027A-43C5-A188-04DFFE338205}" srcOrd="1" destOrd="0" presId="urn:microsoft.com/office/officeart/2005/8/layout/orgChart1"/>
     <dgm:cxn modelId="{31D694F1-0E05-42B4-BC27-FFBDAD8C2BB4}" type="presOf" srcId="{D425BF13-D76C-4B0C-BC99-C8C3B345F827}" destId="{31B7778F-4707-472F-866A-AF09BFC2B0E7}" srcOrd="0" destOrd="0" presId="urn:microsoft.com/office/officeart/2005/8/layout/orgChart1"/>
@@ -4317,7 +4245,6 @@
     <dgm:cxn modelId="{E488E4CA-E737-4465-8E91-32B1629F0A22}" srcId="{E3C7F89B-BEA3-4D84-8771-097201612B75}" destId="{F6FAAE03-39C6-4D1C-9C6B-2E789CC43948}" srcOrd="1" destOrd="0" parTransId="{FEB13B0D-C4E0-41AC-8A7D-9982E0F01BFF}" sibTransId="{5498FB9E-2B8E-4833-AB19-ACC3A132A055}"/>
     <dgm:cxn modelId="{ACCD23E2-D620-4673-B08B-294F7FEF72CC}" type="presOf" srcId="{167B2A51-C8F1-44EB-A1B0-D765AD0E489E}" destId="{42372DE0-382C-461D-84E3-60D040B41991}" srcOrd="0" destOrd="0" presId="urn:microsoft.com/office/officeart/2005/8/layout/orgChart1"/>
     <dgm:cxn modelId="{F024D748-8A52-4085-88F8-91C58EAFCD2C}" type="presOf" srcId="{E3C7F89B-BEA3-4D84-8771-097201612B75}" destId="{2AD9AA92-2127-4D86-A244-C4529708F1AA}" srcOrd="1" destOrd="0" presId="urn:microsoft.com/office/officeart/2005/8/layout/orgChart1"/>
-    <dgm:cxn modelId="{A1596FBD-B521-4B27-BA98-63DAAE8F52D0}" type="presOf" srcId="{D796F228-FF0B-455A-9C58-CB7B992368F7}" destId="{926D6561-1FB0-4971-86B0-6BE5772E2BF9}" srcOrd="0" destOrd="0" presId="urn:microsoft.com/office/officeart/2005/8/layout/orgChart1"/>
     <dgm:cxn modelId="{286D2B3A-2BAC-49A7-9926-B82968DFEB08}" type="presOf" srcId="{A580408E-25A1-4F6E-971A-9147BA4F5E10}" destId="{693C9283-19D9-4F02-A26B-4AAABFF6F4B5}" srcOrd="1" destOrd="0" presId="urn:microsoft.com/office/officeart/2005/8/layout/orgChart1"/>
     <dgm:cxn modelId="{A4DAC037-AB35-45A9-9284-4C6726DF54BC}" srcId="{903A6B3C-8493-4C6C-9C37-02A52A0B975E}" destId="{5A314E7B-474F-4E7A-9A93-260A46969949}" srcOrd="6" destOrd="0" parTransId="{B5F8211A-09BD-4981-97F3-FBB23A50692C}" sibTransId="{1F8D3614-FEA3-4516-A356-F8F57ACE0354}"/>
     <dgm:cxn modelId="{BAFBD90A-649C-4F27-AE5F-EC2CD29298FC}" srcId="{781F9A90-C53F-4B8D-9871-8D738A40B043}" destId="{1E066A66-5F60-4156-89ED-6F124DDA57F8}" srcOrd="1" destOrd="0" parTransId="{70EF0B35-D952-4AEC-BC39-7C8CD39EC43F}" sibTransId="{125B21F4-D9B4-4410-B6B7-6AA1B98B7E76}"/>
@@ -4334,7 +4261,6 @@
     <dgm:cxn modelId="{60802AA5-8FF0-44D1-ACBF-EC242299CEA9}" srcId="{876C0A9C-DE15-411B-A57F-BF7D5FF2FE26}" destId="{BE00C4BD-76A4-46F4-A814-3EDF89142AB2}" srcOrd="0" destOrd="0" parTransId="{F1E1E7E0-A01E-4A9C-AD5B-D0DB22135555}" sibTransId="{F53FF7A6-94AB-4609-BBCD-DAA13E47779F}"/>
     <dgm:cxn modelId="{D31F7BC3-0499-4C09-BD67-3D32C9FBAFBF}" type="presOf" srcId="{8C79C58A-2F96-4630-9923-6AC50F8750A0}" destId="{AC820DDC-6CF0-45CC-A10E-DAAADA35AC97}" srcOrd="1" destOrd="0" presId="urn:microsoft.com/office/officeart/2005/8/layout/orgChart1"/>
     <dgm:cxn modelId="{8C247472-DF1A-4E93-9E40-7C63F87714F2}" type="presOf" srcId="{13004446-63C3-43C7-8546-A0E72DD4C4E7}" destId="{543DC587-6FB8-44DA-89DE-80575B03FB6A}" srcOrd="0" destOrd="0" presId="urn:microsoft.com/office/officeart/2005/8/layout/orgChart1"/>
-    <dgm:cxn modelId="{EF25438D-6248-4C59-9ECE-B2C596575333}" type="presOf" srcId="{412BB543-D2DF-4249-954C-90B60BDA6A0E}" destId="{21F8772D-48BF-408A-A234-BA9B7A5569D0}" srcOrd="0" destOrd="0" presId="urn:microsoft.com/office/officeart/2005/8/layout/orgChart1"/>
     <dgm:cxn modelId="{BB946877-E797-497C-A998-A50F987A35FB}" type="presOf" srcId="{1DF60FE7-1B1B-4C60-81A7-4C37C612A703}" destId="{1B84068B-3305-424B-BDCA-7C884DF75C28}" srcOrd="0" destOrd="0" presId="urn:microsoft.com/office/officeart/2005/8/layout/orgChart1"/>
     <dgm:cxn modelId="{D576DC41-C515-4285-8A20-A34995B33B31}" type="presOf" srcId="{5A0043DF-E058-40AB-A049-9F0970E48F66}" destId="{26322FD3-AA5B-4D9D-A80E-40FEE85BF4CD}" srcOrd="0" destOrd="0" presId="urn:microsoft.com/office/officeart/2005/8/layout/orgChart1"/>
     <dgm:cxn modelId="{73E47322-0E27-42A4-B083-CBF1EF91B190}" srcId="{847C2F3B-D479-4905-82E9-026ED532F16F}" destId="{E3C7F89B-BEA3-4D84-8771-097201612B75}" srcOrd="1" destOrd="0" parTransId="{9A94873D-D6D3-41B7-8EAD-B3A8ADB2AA30}" sibTransId="{8162FB84-A3C6-4261-A12C-703FBDDF91CD}"/>
@@ -4362,20 +4288,19 @@
     <dgm:cxn modelId="{5D2C738F-D9BD-4C51-A610-4C87801DB3DD}" srcId="{5A314E7B-474F-4E7A-9A93-260A46969949}" destId="{08EF6E2C-470A-4509-BF43-DA6D326E5821}" srcOrd="2" destOrd="0" parTransId="{91199F51-30D2-4095-A189-A50F5EA35E75}" sibTransId="{6503CB9F-17EA-46F9-A547-B64A5B2C3209}"/>
     <dgm:cxn modelId="{57A3FE0B-C381-49BC-BAB1-817B5FB24CCF}" srcId="{903A6B3C-8493-4C6C-9C37-02A52A0B975E}" destId="{B6E85D69-BE35-4B02-845F-CF94748B17CE}" srcOrd="5" destOrd="0" parTransId="{EFD96D2E-D8DD-43C9-AE02-056674437ACE}" sibTransId="{D329E1F8-94DD-43E9-A2F2-0F879279415C}"/>
     <dgm:cxn modelId="{AA39357B-216F-4EA8-927B-4EE42ABBF846}" type="presOf" srcId="{30BFC62C-3428-4044-AD6C-A5B5A292E27A}" destId="{BEB81235-F991-4F47-AB96-F616C9EC4249}" srcOrd="1" destOrd="0" presId="urn:microsoft.com/office/officeart/2005/8/layout/orgChart1"/>
-    <dgm:cxn modelId="{CCF46B89-1768-4903-BF74-6ADE2E738C35}" srcId="{E3C7F89B-BEA3-4D84-8771-097201612B75}" destId="{A4F21E37-B964-416A-B597-23C4CDB96A1D}" srcOrd="2" destOrd="0" parTransId="{D41B9C99-A40F-4368-9683-BB8991B7FED4}" sibTransId="{CDC52C70-89B3-4C08-ABE9-E1C92E74E2E1}"/>
+    <dgm:cxn modelId="{CCF46B89-1768-4903-BF74-6ADE2E738C35}" srcId="{E3C7F89B-BEA3-4D84-8771-097201612B75}" destId="{A4F21E37-B964-416A-B597-23C4CDB96A1D}" srcOrd="3" destOrd="0" parTransId="{D41B9C99-A40F-4368-9683-BB8991B7FED4}" sibTransId="{CDC52C70-89B3-4C08-ABE9-E1C92E74E2E1}"/>
     <dgm:cxn modelId="{39E9B8BB-96D0-4838-ABE5-65A889050B16}" type="presOf" srcId="{5D187268-5E28-4B07-9FE0-054333C360A4}" destId="{93E78C10-682E-44F7-B29B-33DB7D3DA1B7}" srcOrd="0" destOrd="0" presId="urn:microsoft.com/office/officeart/2005/8/layout/orgChart1"/>
-    <dgm:cxn modelId="{519B6679-4829-4DF0-9A1D-92DCACC3C2E1}" srcId="{82B2F14D-F2F2-4517-B753-7FF6925AFA40}" destId="{7A532281-45C8-4C0D-983B-02FBEE132608}" srcOrd="4" destOrd="0" parTransId="{6201002F-6156-43BB-B3BF-98EDA82868A0}" sibTransId="{84D59E97-5B16-4B66-932E-906718BE2187}"/>
+    <dgm:cxn modelId="{519B6679-4829-4DF0-9A1D-92DCACC3C2E1}" srcId="{82B2F14D-F2F2-4517-B753-7FF6925AFA40}" destId="{7A532281-45C8-4C0D-983B-02FBEE132608}" srcOrd="3" destOrd="0" parTransId="{6201002F-6156-43BB-B3BF-98EDA82868A0}" sibTransId="{84D59E97-5B16-4B66-932E-906718BE2187}"/>
     <dgm:cxn modelId="{992154A3-7436-4CC1-8C9C-F3DB1070CBC0}" type="presOf" srcId="{BE00C4BD-76A4-46F4-A814-3EDF89142AB2}" destId="{69E4C975-593C-4612-86A6-EFA4340A4B26}" srcOrd="0" destOrd="0" presId="urn:microsoft.com/office/officeart/2005/8/layout/orgChart1"/>
     <dgm:cxn modelId="{0F0BC0AB-F7D6-440B-9A39-492FE2021457}" type="presOf" srcId="{9A94873D-D6D3-41B7-8EAD-B3A8ADB2AA30}" destId="{41B5A1E5-C5CC-45F0-96D7-1B1EBBF5C59D}" srcOrd="0" destOrd="0" presId="urn:microsoft.com/office/officeart/2005/8/layout/orgChart1"/>
     <dgm:cxn modelId="{7AADDADC-166E-454E-9816-0DBAB8F85FE0}" type="presOf" srcId="{876C0A9C-DE15-411B-A57F-BF7D5FF2FE26}" destId="{6CE9A830-0E5C-4466-A1F3-0E4489E7FE50}" srcOrd="0" destOrd="0" presId="urn:microsoft.com/office/officeart/2005/8/layout/orgChart1"/>
     <dgm:cxn modelId="{2FFA1D58-9BC0-4CBE-BF85-2C40FF604B9B}" type="presOf" srcId="{BEC4BB37-7DE7-44E7-94DC-5F0CC4C81826}" destId="{134C7759-68C5-4062-88CB-5CC13FC6D463}" srcOrd="0" destOrd="0" presId="urn:microsoft.com/office/officeart/2005/8/layout/orgChart1"/>
     <dgm:cxn modelId="{66CEC49C-A219-48AC-B1C0-910FDDDA5C54}" type="presOf" srcId="{D0950CAB-BE0D-46A2-B064-D24ED3DCCCB8}" destId="{0D1FC3F4-3CCD-4F80-AE3A-9CAFD7258996}" srcOrd="1" destOrd="0" presId="urn:microsoft.com/office/officeart/2005/8/layout/orgChart1"/>
     <dgm:cxn modelId="{B3455AA0-AA8F-470F-9536-8DDD1ABF2AC0}" type="presOf" srcId="{91199F51-30D2-4095-A189-A50F5EA35E75}" destId="{98DC70FD-13D0-4C21-B16D-46BA8831CDF5}" srcOrd="0" destOrd="0" presId="urn:microsoft.com/office/officeart/2005/8/layout/orgChart1"/>
-    <dgm:cxn modelId="{9160A09C-3575-47A0-B4C7-5B4DFCDDAB7E}" srcId="{82B2F14D-F2F2-4517-B753-7FF6925AFA40}" destId="{6ADB45D8-0391-40A2-93AB-C7A7E9ECE004}" srcOrd="3" destOrd="0" parTransId="{FA287C2E-A243-4263-8846-56E8A9EFF2F5}" sibTransId="{78FA29FF-1E8F-4778-8A0E-0585A7650CF6}"/>
+    <dgm:cxn modelId="{9160A09C-3575-47A0-B4C7-5B4DFCDDAB7E}" srcId="{82B2F14D-F2F2-4517-B753-7FF6925AFA40}" destId="{6ADB45D8-0391-40A2-93AB-C7A7E9ECE004}" srcOrd="2" destOrd="0" parTransId="{FA287C2E-A243-4263-8846-56E8A9EFF2F5}" sibTransId="{78FA29FF-1E8F-4778-8A0E-0585A7650CF6}"/>
     <dgm:cxn modelId="{8F029889-6DEA-490F-9F75-C7DEE9DDD45A}" type="presOf" srcId="{1E066A66-5F60-4156-89ED-6F124DDA57F8}" destId="{3F4D8CE1-DA6A-476A-9BFC-FFB5E643EB83}" srcOrd="1" destOrd="0" presId="urn:microsoft.com/office/officeart/2005/8/layout/orgChart1"/>
     <dgm:cxn modelId="{BA165D58-1050-484A-8C5B-C881509ACF94}" type="presOf" srcId="{25374D33-C415-4774-BB58-FE2D64D3CDF8}" destId="{F89B092C-F3A3-4D4C-9EBB-E0F7F69A4FFC}" srcOrd="0" destOrd="0" presId="urn:microsoft.com/office/officeart/2005/8/layout/orgChart1"/>
     <dgm:cxn modelId="{E42AF027-289F-49D6-BDA0-95CB48EC3C2A}" type="presOf" srcId="{E199CF06-B847-47FB-BE4B-FD7E426FC1CC}" destId="{9906E67D-187A-48E5-921C-122434D5D939}" srcOrd="1" destOrd="0" presId="urn:microsoft.com/office/officeart/2005/8/layout/orgChart1"/>
-    <dgm:cxn modelId="{3F22BF8A-73CD-4D7A-80EF-5F76A402F3AA}" srcId="{82B2F14D-F2F2-4517-B753-7FF6925AFA40}" destId="{5943DF76-C00C-4389-A4C2-B12B92700026}" srcOrd="5" destOrd="0" parTransId="{7870AF7C-A43C-4D3A-A677-653474762900}" sibTransId="{18844A1E-61AF-46C0-95E4-7ACC3CEC87C6}"/>
     <dgm:cxn modelId="{83398284-EF2E-452F-A6DB-1AD6B6E5C1FA}" srcId="{82B2F14D-F2F2-4517-B753-7FF6925AFA40}" destId="{AF97C274-427E-4A77-BAF9-582F6635C5A4}" srcOrd="0" destOrd="0" parTransId="{BEC4BB37-7DE7-44E7-94DC-5F0CC4C81826}" sibTransId="{D34E95F5-2823-4CE5-B00B-4613E64D9721}"/>
     <dgm:cxn modelId="{2C52B750-8B87-426D-9875-455D6A0E53D0}" srcId="{876C0A9C-DE15-411B-A57F-BF7D5FF2FE26}" destId="{25374D33-C415-4774-BB58-FE2D64D3CDF8}" srcOrd="3" destOrd="0" parTransId="{87DCCE4A-F4DE-43C8-A971-51B88791A083}" sibTransId="{CD992E8C-91B9-42BC-BFEE-E98C0F6E4047}"/>
     <dgm:cxn modelId="{3EA972D7-2A3D-4C5B-B8FF-5524CCA87EEE}" type="presOf" srcId="{C726AB05-9393-4856-8BCD-E84436DB96F2}" destId="{9BAB3C57-9143-4696-802F-1D9AA5220902}" srcOrd="1" destOrd="0" presId="urn:microsoft.com/office/officeart/2005/8/layout/orgChart1"/>
@@ -4447,34 +4372,20 @@
     <dgm:cxn modelId="{A2873B2F-32E9-42FF-8C1B-96C2866199E0}" type="presParOf" srcId="{B53EB6AB-7A08-4984-ADD8-5FD86D250C12}" destId="{4BEB834B-26E9-4465-B3C9-AC640D9702A5}" srcOrd="1" destOrd="0" presId="urn:microsoft.com/office/officeart/2005/8/layout/orgChart1"/>
     <dgm:cxn modelId="{D58EA2D9-A00C-48B8-907E-C4DC60077B3C}" type="presParOf" srcId="{DF44D9AD-7947-41D0-9309-3682828671F6}" destId="{F66C07E7-5D84-4493-867A-424A7D016AD1}" srcOrd="1" destOrd="0" presId="urn:microsoft.com/office/officeart/2005/8/layout/orgChart1"/>
     <dgm:cxn modelId="{1C108090-C56F-4B99-84BF-3AE54B259620}" type="presParOf" srcId="{DF44D9AD-7947-41D0-9309-3682828671F6}" destId="{95334AF6-D76B-4999-95B3-61F7800ACC0C}" srcOrd="2" destOrd="0" presId="urn:microsoft.com/office/officeart/2005/8/layout/orgChart1"/>
-    <dgm:cxn modelId="{73BC4D6B-8D4D-4564-8A5D-C57D39B454C0}" type="presParOf" srcId="{D9F59288-2AF1-40DF-8AB2-52FE70F19326}" destId="{926D6561-1FB0-4971-86B0-6BE5772E2BF9}" srcOrd="4" destOrd="0" presId="urn:microsoft.com/office/officeart/2005/8/layout/orgChart1"/>
-    <dgm:cxn modelId="{6328999A-9621-416C-8DC9-92074E0909B7}" type="presParOf" srcId="{D9F59288-2AF1-40DF-8AB2-52FE70F19326}" destId="{E1797E55-1084-440E-9EC3-03CBDCADE3C6}" srcOrd="5" destOrd="0" presId="urn:microsoft.com/office/officeart/2005/8/layout/orgChart1"/>
-    <dgm:cxn modelId="{938D2239-C641-4421-934E-EE5A2DCECED4}" type="presParOf" srcId="{E1797E55-1084-440E-9EC3-03CBDCADE3C6}" destId="{96FE59BA-8BF2-4EF6-9594-9B9AD20E10A7}" srcOrd="0" destOrd="0" presId="urn:microsoft.com/office/officeart/2005/8/layout/orgChart1"/>
-    <dgm:cxn modelId="{3F5B3472-FBA2-4CBB-8328-829A9E0427B7}" type="presParOf" srcId="{96FE59BA-8BF2-4EF6-9594-9B9AD20E10A7}" destId="{21F8772D-48BF-408A-A234-BA9B7A5569D0}" srcOrd="0" destOrd="0" presId="urn:microsoft.com/office/officeart/2005/8/layout/orgChart1"/>
-    <dgm:cxn modelId="{244D0818-9350-44F2-BB5E-C20BCBA89967}" type="presParOf" srcId="{96FE59BA-8BF2-4EF6-9594-9B9AD20E10A7}" destId="{320FB1E5-B8E9-45AE-A583-5DA7072B1134}" srcOrd="1" destOrd="0" presId="urn:microsoft.com/office/officeart/2005/8/layout/orgChart1"/>
-    <dgm:cxn modelId="{43C3C8EB-7FFC-4C47-A86E-BD44BBA261E5}" type="presParOf" srcId="{E1797E55-1084-440E-9EC3-03CBDCADE3C6}" destId="{35AD35EF-D2CC-4FE7-8E61-F8F592B5DCE0}" srcOrd="1" destOrd="0" presId="urn:microsoft.com/office/officeart/2005/8/layout/orgChart1"/>
-    <dgm:cxn modelId="{13D9A1ED-761D-432D-AEFD-C7D213C73EFD}" type="presParOf" srcId="{E1797E55-1084-440E-9EC3-03CBDCADE3C6}" destId="{B8F72C65-DEF9-4E70-909B-DAFE1BE3E201}" srcOrd="2" destOrd="0" presId="urn:microsoft.com/office/officeart/2005/8/layout/orgChart1"/>
-    <dgm:cxn modelId="{29A8A568-DC79-4A52-BBF6-2268E444A75D}" type="presParOf" srcId="{D9F59288-2AF1-40DF-8AB2-52FE70F19326}" destId="{F7558E50-8956-45F9-B758-A92D696DDFF9}" srcOrd="6" destOrd="0" presId="urn:microsoft.com/office/officeart/2005/8/layout/orgChart1"/>
-    <dgm:cxn modelId="{E3DDF2D8-1CA4-412A-9DA1-EDFD5B9CEEEE}" type="presParOf" srcId="{D9F59288-2AF1-40DF-8AB2-52FE70F19326}" destId="{2D507354-2C0F-4D8D-A9D2-962BB30BEE72}" srcOrd="7" destOrd="0" presId="urn:microsoft.com/office/officeart/2005/8/layout/orgChart1"/>
+    <dgm:cxn modelId="{29A8A568-DC79-4A52-BBF6-2268E444A75D}" type="presParOf" srcId="{D9F59288-2AF1-40DF-8AB2-52FE70F19326}" destId="{F7558E50-8956-45F9-B758-A92D696DDFF9}" srcOrd="4" destOrd="0" presId="urn:microsoft.com/office/officeart/2005/8/layout/orgChart1"/>
+    <dgm:cxn modelId="{E3DDF2D8-1CA4-412A-9DA1-EDFD5B9CEEEE}" type="presParOf" srcId="{D9F59288-2AF1-40DF-8AB2-52FE70F19326}" destId="{2D507354-2C0F-4D8D-A9D2-962BB30BEE72}" srcOrd="5" destOrd="0" presId="urn:microsoft.com/office/officeart/2005/8/layout/orgChart1"/>
     <dgm:cxn modelId="{9BEA4503-D3AF-47E1-8956-B75A264BC8D4}" type="presParOf" srcId="{2D507354-2C0F-4D8D-A9D2-962BB30BEE72}" destId="{E2A25BA5-BA4F-455E-9243-CD8C56773C02}" srcOrd="0" destOrd="0" presId="urn:microsoft.com/office/officeart/2005/8/layout/orgChart1"/>
     <dgm:cxn modelId="{D317FDD4-7B43-4E5C-BA90-2C71E8CEFCFA}" type="presParOf" srcId="{E2A25BA5-BA4F-455E-9243-CD8C56773C02}" destId="{750B15C4-83CF-4A8E-9BB5-245F11826E46}" srcOrd="0" destOrd="0" presId="urn:microsoft.com/office/officeart/2005/8/layout/orgChart1"/>
     <dgm:cxn modelId="{645C914F-91BD-47C5-8463-297872BBBD47}" type="presParOf" srcId="{E2A25BA5-BA4F-455E-9243-CD8C56773C02}" destId="{1AE37BD0-17A0-4931-A07D-90A3FA6CADA7}" srcOrd="1" destOrd="0" presId="urn:microsoft.com/office/officeart/2005/8/layout/orgChart1"/>
     <dgm:cxn modelId="{0870880B-FF01-48D0-A138-9C1E3768F7A4}" type="presParOf" srcId="{2D507354-2C0F-4D8D-A9D2-962BB30BEE72}" destId="{45DADCA0-7EBF-49C8-9926-67D5CF9CDF1B}" srcOrd="1" destOrd="0" presId="urn:microsoft.com/office/officeart/2005/8/layout/orgChart1"/>
     <dgm:cxn modelId="{D773CBE3-1B3D-46ED-8857-EEF6D542E7DD}" type="presParOf" srcId="{2D507354-2C0F-4D8D-A9D2-962BB30BEE72}" destId="{36169C53-EF96-4829-8F22-6727181DAE16}" srcOrd="2" destOrd="0" presId="urn:microsoft.com/office/officeart/2005/8/layout/orgChart1"/>
-    <dgm:cxn modelId="{DF71CD74-3035-485B-B270-14899586ABD9}" type="presParOf" srcId="{D9F59288-2AF1-40DF-8AB2-52FE70F19326}" destId="{39310B3B-CAA7-46D5-8C7F-0117A069E5AB}" srcOrd="8" destOrd="0" presId="urn:microsoft.com/office/officeart/2005/8/layout/orgChart1"/>
-    <dgm:cxn modelId="{D73F4F94-2E81-4107-9873-FF719790AE53}" type="presParOf" srcId="{D9F59288-2AF1-40DF-8AB2-52FE70F19326}" destId="{6FA55000-D0AD-4000-B883-F8AA63961BB6}" srcOrd="9" destOrd="0" presId="urn:microsoft.com/office/officeart/2005/8/layout/orgChart1"/>
+    <dgm:cxn modelId="{DF71CD74-3035-485B-B270-14899586ABD9}" type="presParOf" srcId="{D9F59288-2AF1-40DF-8AB2-52FE70F19326}" destId="{39310B3B-CAA7-46D5-8C7F-0117A069E5AB}" srcOrd="6" destOrd="0" presId="urn:microsoft.com/office/officeart/2005/8/layout/orgChart1"/>
+    <dgm:cxn modelId="{D73F4F94-2E81-4107-9873-FF719790AE53}" type="presParOf" srcId="{D9F59288-2AF1-40DF-8AB2-52FE70F19326}" destId="{6FA55000-D0AD-4000-B883-F8AA63961BB6}" srcOrd="7" destOrd="0" presId="urn:microsoft.com/office/officeart/2005/8/layout/orgChart1"/>
     <dgm:cxn modelId="{B184A01D-55A6-4AE9-8497-1B6F9324E09E}" type="presParOf" srcId="{6FA55000-D0AD-4000-B883-F8AA63961BB6}" destId="{BE21432D-1CCD-43AC-BEC7-53FC6CE7D19E}" srcOrd="0" destOrd="0" presId="urn:microsoft.com/office/officeart/2005/8/layout/orgChart1"/>
     <dgm:cxn modelId="{CB657912-D41C-4BD5-95A2-9F6FDB2B2128}" type="presParOf" srcId="{BE21432D-1CCD-43AC-BEC7-53FC6CE7D19E}" destId="{3165EFBE-E62A-433D-AE6B-3344971C3DA9}" srcOrd="0" destOrd="0" presId="urn:microsoft.com/office/officeart/2005/8/layout/orgChart1"/>
     <dgm:cxn modelId="{907FECC7-A02C-4C61-A8BF-A92FBBE8C8DF}" type="presParOf" srcId="{BE21432D-1CCD-43AC-BEC7-53FC6CE7D19E}" destId="{51847DE9-1092-41F9-BF33-5CD8656DB8D6}" srcOrd="1" destOrd="0" presId="urn:microsoft.com/office/officeart/2005/8/layout/orgChart1"/>
     <dgm:cxn modelId="{FA63EB82-5074-4064-B4A2-8B39345583E4}" type="presParOf" srcId="{6FA55000-D0AD-4000-B883-F8AA63961BB6}" destId="{F7B6CB29-8B6B-458C-A59F-A900E4129D13}" srcOrd="1" destOrd="0" presId="urn:microsoft.com/office/officeart/2005/8/layout/orgChart1"/>
     <dgm:cxn modelId="{56B5E234-8502-4CF6-A847-B656CE336F36}" type="presParOf" srcId="{6FA55000-D0AD-4000-B883-F8AA63961BB6}" destId="{CCF0B1E4-E93D-445B-A212-ABCAB05FA043}" srcOrd="2" destOrd="0" presId="urn:microsoft.com/office/officeart/2005/8/layout/orgChart1"/>
-    <dgm:cxn modelId="{F14BDB5A-E754-4A09-A7AF-3732ADEA4CDB}" type="presParOf" srcId="{D9F59288-2AF1-40DF-8AB2-52FE70F19326}" destId="{FE39689D-E1FD-441F-81AF-72D3670EB841}" srcOrd="10" destOrd="0" presId="urn:microsoft.com/office/officeart/2005/8/layout/orgChart1"/>
-    <dgm:cxn modelId="{A678696F-9E21-484D-A6EF-47094628B134}" type="presParOf" srcId="{D9F59288-2AF1-40DF-8AB2-52FE70F19326}" destId="{48D75B33-2D8C-47F4-815E-966008232D8C}" srcOrd="11" destOrd="0" presId="urn:microsoft.com/office/officeart/2005/8/layout/orgChart1"/>
-    <dgm:cxn modelId="{FFA84A2B-F386-46BD-A6EB-4A725A04F407}" type="presParOf" srcId="{48D75B33-2D8C-47F4-815E-966008232D8C}" destId="{DB9DC782-DEE3-405D-BCC3-ACBFFE77AE13}" srcOrd="0" destOrd="0" presId="urn:microsoft.com/office/officeart/2005/8/layout/orgChart1"/>
-    <dgm:cxn modelId="{47CA2FA5-AC13-41A2-8C38-8DDA23C992E5}" type="presParOf" srcId="{DB9DC782-DEE3-405D-BCC3-ACBFFE77AE13}" destId="{52C67249-1702-4DE0-92CC-FB20693C4327}" srcOrd="0" destOrd="0" presId="urn:microsoft.com/office/officeart/2005/8/layout/orgChart1"/>
-    <dgm:cxn modelId="{C144D164-5AEB-45E1-B487-727C7BB10FD7}" type="presParOf" srcId="{DB9DC782-DEE3-405D-BCC3-ACBFFE77AE13}" destId="{2541B27E-7223-4B96-8488-6053336F9A3B}" srcOrd="1" destOrd="0" presId="urn:microsoft.com/office/officeart/2005/8/layout/orgChart1"/>
-    <dgm:cxn modelId="{0F522939-F724-4DB1-BB8A-F805EC6F69B6}" type="presParOf" srcId="{48D75B33-2D8C-47F4-815E-966008232D8C}" destId="{3707A237-F6DB-4392-8C31-A1FA1C37ADD5}" srcOrd="1" destOrd="0" presId="urn:microsoft.com/office/officeart/2005/8/layout/orgChart1"/>
-    <dgm:cxn modelId="{5DAB42A9-A12B-4FFD-942C-07C0FD197060}" type="presParOf" srcId="{48D75B33-2D8C-47F4-815E-966008232D8C}" destId="{7267C94D-9338-4F92-B2A9-5255F58F47B3}" srcOrd="2" destOrd="0" presId="urn:microsoft.com/office/officeart/2005/8/layout/orgChart1"/>
     <dgm:cxn modelId="{BC98C762-8B11-4455-A2E1-4BEA3571D872}" type="presParOf" srcId="{7D468B53-A71A-4187-8DB2-B8022A4655EA}" destId="{1A06F079-6B34-4426-A354-4D0D6183503E}" srcOrd="2" destOrd="0" presId="urn:microsoft.com/office/officeart/2005/8/layout/orgChart1"/>
     <dgm:cxn modelId="{29764488-78C0-47C2-A13D-554EF7F010AB}" type="presParOf" srcId="{F711D0AB-3710-4344-A1EA-22BFB4EC30E5}" destId="{C86B9CDE-662C-4780-9168-392DDF126690}" srcOrd="4" destOrd="0" presId="urn:microsoft.com/office/officeart/2005/8/layout/orgChart1"/>
     <dgm:cxn modelId="{569F8B3F-FCD1-4241-8740-2BD70A554D6A}" type="presParOf" srcId="{F711D0AB-3710-4344-A1EA-22BFB4EC30E5}" destId="{D81AD997-79AC-4165-B8F0-39B8E80A7908}" srcOrd="5" destOrd="0" presId="urn:microsoft.com/office/officeart/2005/8/layout/orgChart1"/>
@@ -4537,8 +4448,15 @@
     <dgm:cxn modelId="{60396AF9-FDCD-4F49-AB63-5412F0F30F9C}" type="presParOf" srcId="{3FF1324A-D59D-46F8-A80B-705E8AE9F287}" destId="{F2327779-151C-41F1-B06E-68DBC6A08B75}" srcOrd="1" destOrd="0" presId="urn:microsoft.com/office/officeart/2005/8/layout/orgChart1"/>
     <dgm:cxn modelId="{22E69B6A-128D-427E-B767-430BE3853A24}" type="presParOf" srcId="{33E2D8F1-2AB3-4C01-B956-969D94DE906B}" destId="{054FD61C-0147-43C3-A8CA-3B36BF650F6D}" srcOrd="1" destOrd="0" presId="urn:microsoft.com/office/officeart/2005/8/layout/orgChart1"/>
     <dgm:cxn modelId="{8AB86603-E9F5-4211-B72E-4C902CD9994B}" type="presParOf" srcId="{33E2D8F1-2AB3-4C01-B956-969D94DE906B}" destId="{2B69E511-84C2-43E5-BB4A-592BD0B7DF15}" srcOrd="2" destOrd="0" presId="urn:microsoft.com/office/officeart/2005/8/layout/orgChart1"/>
-    <dgm:cxn modelId="{955B1E1E-B903-4677-B23F-0393720A75BE}" type="presParOf" srcId="{D527AE04-B127-4CCF-8DA1-E78023B45C7C}" destId="{7D0715D2-FD7A-4983-A2A5-7379511894B4}" srcOrd="4" destOrd="0" presId="urn:microsoft.com/office/officeart/2005/8/layout/orgChart1"/>
-    <dgm:cxn modelId="{BB10EECC-F86B-43C8-9E94-4CC8BF622E90}" type="presParOf" srcId="{D527AE04-B127-4CCF-8DA1-E78023B45C7C}" destId="{BEE2015F-090B-471C-88D0-BA8D10D61533}" srcOrd="5" destOrd="0" presId="urn:microsoft.com/office/officeart/2005/8/layout/orgChart1"/>
+    <dgm:cxn modelId="{86E9AA49-B862-431C-BA44-FA9D42A7CE76}" type="presParOf" srcId="{D527AE04-B127-4CCF-8DA1-E78023B45C7C}" destId="{D8E78890-69E7-4D82-8EF0-94B76E66DE46}" srcOrd="4" destOrd="0" presId="urn:microsoft.com/office/officeart/2005/8/layout/orgChart1"/>
+    <dgm:cxn modelId="{641A1936-ED46-43B9-ACC1-BCE35FCD3210}" type="presParOf" srcId="{D527AE04-B127-4CCF-8DA1-E78023B45C7C}" destId="{911BD9DC-8235-42CF-8714-004EB49844EC}" srcOrd="5" destOrd="0" presId="urn:microsoft.com/office/officeart/2005/8/layout/orgChart1"/>
+    <dgm:cxn modelId="{36A5942C-848A-48BD-8E92-AFD5DE09C460}" type="presParOf" srcId="{911BD9DC-8235-42CF-8714-004EB49844EC}" destId="{0BB6DA25-E3B8-4385-9B93-1F7C9F80D6E1}" srcOrd="0" destOrd="0" presId="urn:microsoft.com/office/officeart/2005/8/layout/orgChart1"/>
+    <dgm:cxn modelId="{45F8DA48-C383-490A-8AFD-92BE191512E3}" type="presParOf" srcId="{0BB6DA25-E3B8-4385-9B93-1F7C9F80D6E1}" destId="{70157C85-5F7F-40E9-A825-1F326C471DFF}" srcOrd="0" destOrd="0" presId="urn:microsoft.com/office/officeart/2005/8/layout/orgChart1"/>
+    <dgm:cxn modelId="{55EBA75F-E9CE-412C-8DE4-CD2CAF783890}" type="presParOf" srcId="{0BB6DA25-E3B8-4385-9B93-1F7C9F80D6E1}" destId="{0B3450A8-33CB-4EE7-90F4-D2A366553BC8}" srcOrd="1" destOrd="0" presId="urn:microsoft.com/office/officeart/2005/8/layout/orgChart1"/>
+    <dgm:cxn modelId="{275F6022-5F7E-46C7-AB3E-631DA6E02D6D}" type="presParOf" srcId="{911BD9DC-8235-42CF-8714-004EB49844EC}" destId="{C3FEDC9D-3BCE-4E6F-BC05-EAA304EA04C4}" srcOrd="1" destOrd="0" presId="urn:microsoft.com/office/officeart/2005/8/layout/orgChart1"/>
+    <dgm:cxn modelId="{549C9A63-A062-45EF-9B4C-E99904E9ED8F}" type="presParOf" srcId="{911BD9DC-8235-42CF-8714-004EB49844EC}" destId="{CF6149AE-06F0-442C-B03D-D7CF28CFB9D2}" srcOrd="2" destOrd="0" presId="urn:microsoft.com/office/officeart/2005/8/layout/orgChart1"/>
+    <dgm:cxn modelId="{955B1E1E-B903-4677-B23F-0393720A75BE}" type="presParOf" srcId="{D527AE04-B127-4CCF-8DA1-E78023B45C7C}" destId="{7D0715D2-FD7A-4983-A2A5-7379511894B4}" srcOrd="6" destOrd="0" presId="urn:microsoft.com/office/officeart/2005/8/layout/orgChart1"/>
+    <dgm:cxn modelId="{BB10EECC-F86B-43C8-9E94-4CC8BF622E90}" type="presParOf" srcId="{D527AE04-B127-4CCF-8DA1-E78023B45C7C}" destId="{BEE2015F-090B-471C-88D0-BA8D10D61533}" srcOrd="7" destOrd="0" presId="urn:microsoft.com/office/officeart/2005/8/layout/orgChart1"/>
     <dgm:cxn modelId="{92EAAD58-838C-4474-862C-59FF1B7502EB}" type="presParOf" srcId="{BEE2015F-090B-471C-88D0-BA8D10D61533}" destId="{A95DE694-E1DC-4450-B8D3-0168C6286485}" srcOrd="0" destOrd="0" presId="urn:microsoft.com/office/officeart/2005/8/layout/orgChart1"/>
     <dgm:cxn modelId="{AEF3D7C9-F744-476E-AC61-F1CBA5473D67}" type="presParOf" srcId="{A95DE694-E1DC-4450-B8D3-0168C6286485}" destId="{768DF61A-01A6-453C-9541-29268C0C7CAF}" srcOrd="0" destOrd="0" presId="urn:microsoft.com/office/officeart/2005/8/layout/orgChart1"/>
     <dgm:cxn modelId="{9C3DBC91-A03B-44E9-9DB7-1AE76A4EFA85}" type="presParOf" srcId="{A95DE694-E1DC-4450-B8D3-0168C6286485}" destId="{05C7B833-2EDD-4EA2-942E-3A8DDF94D93C}" srcOrd="1" destOrd="0" presId="urn:microsoft.com/office/officeart/2005/8/layout/orgChart1"/>
@@ -5974,6 +5892,65 @@
       <dsp:spPr>
         <a:xfrm>
           <a:off x="5212446" y="1890771"/>
+          <a:ext cx="147366" cy="2544523"/>
+        </a:xfrm>
+        <a:custGeom>
+          <a:avLst/>
+          <a:gdLst/>
+          <a:ahLst/>
+          <a:cxnLst/>
+          <a:rect l="0" t="0" r="0" b="0"/>
+          <a:pathLst>
+            <a:path>
+              <a:moveTo>
+                <a:pt x="0" y="0"/>
+              </a:moveTo>
+              <a:lnTo>
+                <a:pt x="0" y="2544523"/>
+              </a:lnTo>
+              <a:lnTo>
+                <a:pt x="147366" y="2544523"/>
+              </a:lnTo>
+            </a:path>
+          </a:pathLst>
+        </a:custGeom>
+        <a:noFill/>
+        <a:ln w="12700" cap="flat" cmpd="sng" algn="ctr">
+          <a:solidFill>
+            <a:schemeClr val="accent1">
+              <a:shade val="80000"/>
+              <a:hueOff val="0"/>
+              <a:satOff val="0"/>
+              <a:lumOff val="0"/>
+              <a:alphaOff val="0"/>
+            </a:schemeClr>
+          </a:solidFill>
+          <a:prstDash val="solid"/>
+          <a:miter lim="800000"/>
+        </a:ln>
+        <a:effectLst/>
+      </dsp:spPr>
+      <dsp:style>
+        <a:lnRef idx="2">
+          <a:scrgbClr r="0" g="0" b="0"/>
+        </a:lnRef>
+        <a:fillRef idx="0">
+          <a:scrgbClr r="0" g="0" b="0"/>
+        </a:fillRef>
+        <a:effectRef idx="0">
+          <a:scrgbClr r="0" g="0" b="0"/>
+        </a:effectRef>
+        <a:fontRef idx="minor"/>
+      </dsp:style>
+    </dsp:sp>
+    <dsp:sp modelId="{D8E78890-69E7-4D82-8EF0-94B76E66DE46}">
+      <dsp:nvSpPr>
+        <dsp:cNvPr id="0" name=""/>
+        <dsp:cNvSpPr/>
+      </dsp:nvSpPr>
+      <dsp:spPr>
+        <a:xfrm>
+          <a:off x="5212446" y="1890771"/>
           <a:ext cx="147366" cy="1846989"/>
         </a:xfrm>
         <a:custGeom>
@@ -6565,125 +6542,7 @@
         <a:fontRef idx="minor"/>
       </dsp:style>
     </dsp:sp>
-    <dsp:sp modelId="{FE39689D-E1FD-441F-81AF-72D3670EB841}">
-      <dsp:nvSpPr>
-        <dsp:cNvPr id="0" name=""/>
-        <dsp:cNvSpPr/>
-      </dsp:nvSpPr>
-      <dsp:spPr>
-        <a:xfrm>
-          <a:off x="2589327" y="1193237"/>
-          <a:ext cx="147366" cy="3939590"/>
-        </a:xfrm>
-        <a:custGeom>
-          <a:avLst/>
-          <a:gdLst/>
-          <a:ahLst/>
-          <a:cxnLst/>
-          <a:rect l="0" t="0" r="0" b="0"/>
-          <a:pathLst>
-            <a:path>
-              <a:moveTo>
-                <a:pt x="0" y="0"/>
-              </a:moveTo>
-              <a:lnTo>
-                <a:pt x="0" y="3939590"/>
-              </a:lnTo>
-              <a:lnTo>
-                <a:pt x="147366" y="3939590"/>
-              </a:lnTo>
-            </a:path>
-          </a:pathLst>
-        </a:custGeom>
-        <a:noFill/>
-        <a:ln w="12700" cap="flat" cmpd="sng" algn="ctr">
-          <a:solidFill>
-            <a:schemeClr val="accent1">
-              <a:shade val="80000"/>
-              <a:hueOff val="0"/>
-              <a:satOff val="0"/>
-              <a:lumOff val="0"/>
-              <a:alphaOff val="0"/>
-            </a:schemeClr>
-          </a:solidFill>
-          <a:prstDash val="solid"/>
-          <a:miter lim="800000"/>
-        </a:ln>
-        <a:effectLst/>
-      </dsp:spPr>
-      <dsp:style>
-        <a:lnRef idx="2">
-          <a:scrgbClr r="0" g="0" b="0"/>
-        </a:lnRef>
-        <a:fillRef idx="0">
-          <a:scrgbClr r="0" g="0" b="0"/>
-        </a:fillRef>
-        <a:effectRef idx="0">
-          <a:scrgbClr r="0" g="0" b="0"/>
-        </a:effectRef>
-        <a:fontRef idx="minor"/>
-      </dsp:style>
-    </dsp:sp>
     <dsp:sp modelId="{39310B3B-CAA7-46D5-8C7F-0117A069E5AB}">
-      <dsp:nvSpPr>
-        <dsp:cNvPr id="0" name=""/>
-        <dsp:cNvSpPr/>
-      </dsp:nvSpPr>
-      <dsp:spPr>
-        <a:xfrm>
-          <a:off x="2589327" y="1193237"/>
-          <a:ext cx="147366" cy="3242056"/>
-        </a:xfrm>
-        <a:custGeom>
-          <a:avLst/>
-          <a:gdLst/>
-          <a:ahLst/>
-          <a:cxnLst/>
-          <a:rect l="0" t="0" r="0" b="0"/>
-          <a:pathLst>
-            <a:path>
-              <a:moveTo>
-                <a:pt x="0" y="0"/>
-              </a:moveTo>
-              <a:lnTo>
-                <a:pt x="0" y="3242056"/>
-              </a:lnTo>
-              <a:lnTo>
-                <a:pt x="147366" y="3242056"/>
-              </a:lnTo>
-            </a:path>
-          </a:pathLst>
-        </a:custGeom>
-        <a:noFill/>
-        <a:ln w="12700" cap="flat" cmpd="sng" algn="ctr">
-          <a:solidFill>
-            <a:schemeClr val="accent1">
-              <a:shade val="80000"/>
-              <a:hueOff val="0"/>
-              <a:satOff val="0"/>
-              <a:lumOff val="0"/>
-              <a:alphaOff val="0"/>
-            </a:schemeClr>
-          </a:solidFill>
-          <a:prstDash val="solid"/>
-          <a:miter lim="800000"/>
-        </a:ln>
-        <a:effectLst/>
-      </dsp:spPr>
-      <dsp:style>
-        <a:lnRef idx="2">
-          <a:scrgbClr r="0" g="0" b="0"/>
-        </a:lnRef>
-        <a:fillRef idx="0">
-          <a:scrgbClr r="0" g="0" b="0"/>
-        </a:fillRef>
-        <a:effectRef idx="0">
-          <a:scrgbClr r="0" g="0" b="0"/>
-        </a:effectRef>
-        <a:fontRef idx="minor"/>
-      </dsp:style>
-    </dsp:sp>
-    <dsp:sp modelId="{F7558E50-8956-45F9-B758-A92D696DDFF9}">
       <dsp:nvSpPr>
         <dsp:cNvPr id="0" name=""/>
         <dsp:cNvSpPr/>
@@ -6742,7 +6601,7 @@
         <a:fontRef idx="minor"/>
       </dsp:style>
     </dsp:sp>
-    <dsp:sp modelId="{926D6561-1FB0-4971-86B0-6BE5772E2BF9}">
+    <dsp:sp modelId="{F7558E50-8956-45F9-B758-A92D696DDFF9}">
       <dsp:nvSpPr>
         <dsp:cNvPr id="0" name=""/>
         <dsp:cNvSpPr/>
@@ -8112,7 +7971,7 @@
         <a:ext cx="982441" cy="491220"/>
       </dsp:txXfrm>
     </dsp:sp>
-    <dsp:sp modelId="{21F8772D-48BF-408A-A234-BA9B7A5569D0}">
+    <dsp:sp modelId="{750B15C4-83CF-4A8E-9BB5-245F11826E46}">
       <dsp:nvSpPr>
         <dsp:cNvPr id="0" name=""/>
         <dsp:cNvSpPr/>
@@ -8181,7 +8040,7 @@
           </a:pPr>
           <a:r>
             <a:rPr lang="es-ES" sz="900" kern="1200" dirty="0"/>
-            <a:t>1.2.3 Modelo de Componentes</a:t>
+            <a:t>1.2.4 Definición de Requerimientos</a:t>
           </a:r>
         </a:p>
       </dsp:txBody>
@@ -8190,7 +8049,7 @@
         <a:ext cx="982441" cy="491220"/>
       </dsp:txXfrm>
     </dsp:sp>
-    <dsp:sp modelId="{750B15C4-83CF-4A8E-9BB5-245F11826E46}">
+    <dsp:sp modelId="{3165EFBE-E62A-433D-AE6B-3344971C3DA9}">
       <dsp:nvSpPr>
         <dsp:cNvPr id="0" name=""/>
         <dsp:cNvSpPr/>
@@ -8259,168 +8118,12 @@
           </a:pPr>
           <a:r>
             <a:rPr lang="es-ES" sz="900" kern="1200" dirty="0"/>
-            <a:t>1.2.4 Definición de Requerimientos</a:t>
+            <a:t>1.2.5 Diagramas de Secuencia</a:t>
           </a:r>
         </a:p>
       </dsp:txBody>
       <dsp:txXfrm>
         <a:off x="2736693" y="3492150"/>
-        <a:ext cx="982441" cy="491220"/>
-      </dsp:txXfrm>
-    </dsp:sp>
-    <dsp:sp modelId="{3165EFBE-E62A-433D-AE6B-3344971C3DA9}">
-      <dsp:nvSpPr>
-        <dsp:cNvPr id="0" name=""/>
-        <dsp:cNvSpPr/>
-      </dsp:nvSpPr>
-      <dsp:spPr>
-        <a:xfrm>
-          <a:off x="2736693" y="4189684"/>
-          <a:ext cx="982441" cy="491220"/>
-        </a:xfrm>
-        <a:prstGeom prst="rect">
-          <a:avLst/>
-        </a:prstGeom>
-        <a:solidFill>
-          <a:schemeClr val="lt1">
-            <a:hueOff val="0"/>
-            <a:satOff val="0"/>
-            <a:lumOff val="0"/>
-            <a:alphaOff val="0"/>
-          </a:schemeClr>
-        </a:solidFill>
-        <a:ln w="12700" cap="flat" cmpd="sng" algn="ctr">
-          <a:solidFill>
-            <a:schemeClr val="accent1">
-              <a:shade val="80000"/>
-              <a:hueOff val="0"/>
-              <a:satOff val="0"/>
-              <a:lumOff val="0"/>
-              <a:alphaOff val="0"/>
-            </a:schemeClr>
-          </a:solidFill>
-          <a:prstDash val="solid"/>
-          <a:miter lim="800000"/>
-        </a:ln>
-        <a:effectLst/>
-      </dsp:spPr>
-      <dsp:style>
-        <a:lnRef idx="2">
-          <a:scrgbClr r="0" g="0" b="0"/>
-        </a:lnRef>
-        <a:fillRef idx="1">
-          <a:scrgbClr r="0" g="0" b="0"/>
-        </a:fillRef>
-        <a:effectRef idx="0">
-          <a:scrgbClr r="0" g="0" b="0"/>
-        </a:effectRef>
-        <a:fontRef idx="minor">
-          <a:schemeClr val="lt1"/>
-        </a:fontRef>
-      </dsp:style>
-      <dsp:txBody>
-        <a:bodyPr spcFirstLastPara="0" vert="horz" wrap="square" lIns="5715" tIns="5715" rIns="5715" bIns="5715" numCol="1" spcCol="1270" anchor="ctr" anchorCtr="0">
-          <a:noAutofit/>
-        </a:bodyPr>
-        <a:lstStyle/>
-        <a:p>
-          <a:pPr lvl="0" algn="ctr" defTabSz="400050">
-            <a:lnSpc>
-              <a:spcPct val="90000"/>
-            </a:lnSpc>
-            <a:spcBef>
-              <a:spcPct val="0"/>
-            </a:spcBef>
-            <a:spcAft>
-              <a:spcPct val="35000"/>
-            </a:spcAft>
-          </a:pPr>
-          <a:r>
-            <a:rPr lang="es-ES" sz="900" kern="1200" dirty="0"/>
-            <a:t>1.2.5 Diagramas de Secuencia</a:t>
-          </a:r>
-        </a:p>
-      </dsp:txBody>
-      <dsp:txXfrm>
-        <a:off x="2736693" y="4189684"/>
-        <a:ext cx="982441" cy="491220"/>
-      </dsp:txXfrm>
-    </dsp:sp>
-    <dsp:sp modelId="{52C67249-1702-4DE0-92CC-FB20693C4327}">
-      <dsp:nvSpPr>
-        <dsp:cNvPr id="0" name=""/>
-        <dsp:cNvSpPr/>
-      </dsp:nvSpPr>
-      <dsp:spPr>
-        <a:xfrm>
-          <a:off x="2736693" y="4887217"/>
-          <a:ext cx="982441" cy="491220"/>
-        </a:xfrm>
-        <a:prstGeom prst="rect">
-          <a:avLst/>
-        </a:prstGeom>
-        <a:solidFill>
-          <a:schemeClr val="lt1">
-            <a:hueOff val="0"/>
-            <a:satOff val="0"/>
-            <a:lumOff val="0"/>
-            <a:alphaOff val="0"/>
-          </a:schemeClr>
-        </a:solidFill>
-        <a:ln w="12700" cap="flat" cmpd="sng" algn="ctr">
-          <a:solidFill>
-            <a:schemeClr val="accent1">
-              <a:shade val="80000"/>
-              <a:hueOff val="0"/>
-              <a:satOff val="0"/>
-              <a:lumOff val="0"/>
-              <a:alphaOff val="0"/>
-            </a:schemeClr>
-          </a:solidFill>
-          <a:prstDash val="solid"/>
-          <a:miter lim="800000"/>
-        </a:ln>
-        <a:effectLst/>
-      </dsp:spPr>
-      <dsp:style>
-        <a:lnRef idx="2">
-          <a:scrgbClr r="0" g="0" b="0"/>
-        </a:lnRef>
-        <a:fillRef idx="1">
-          <a:scrgbClr r="0" g="0" b="0"/>
-        </a:fillRef>
-        <a:effectRef idx="0">
-          <a:scrgbClr r="0" g="0" b="0"/>
-        </a:effectRef>
-        <a:fontRef idx="minor">
-          <a:schemeClr val="lt1"/>
-        </a:fontRef>
-      </dsp:style>
-      <dsp:txBody>
-        <a:bodyPr spcFirstLastPara="0" vert="horz" wrap="square" lIns="5715" tIns="5715" rIns="5715" bIns="5715" numCol="1" spcCol="1270" anchor="ctr" anchorCtr="0">
-          <a:noAutofit/>
-        </a:bodyPr>
-        <a:lstStyle/>
-        <a:p>
-          <a:pPr lvl="0" algn="ctr" defTabSz="400050">
-            <a:lnSpc>
-              <a:spcPct val="90000"/>
-            </a:lnSpc>
-            <a:spcBef>
-              <a:spcPct val="0"/>
-            </a:spcBef>
-            <a:spcAft>
-              <a:spcPct val="35000"/>
-            </a:spcAft>
-          </a:pPr>
-          <a:r>
-            <a:rPr lang="es-ES" sz="900" kern="1200" dirty="0"/>
-            <a:t>1.2.6 Diagrama de Despliegue</a:t>
-          </a:r>
-        </a:p>
-      </dsp:txBody>
-      <dsp:txXfrm>
-        <a:off x="2736693" y="4887217"/>
         <a:ext cx="982441" cy="491220"/>
       </dsp:txXfrm>
     </dsp:sp>
@@ -9126,7 +8829,7 @@
         <a:ext cx="982441" cy="491220"/>
       </dsp:txXfrm>
     </dsp:sp>
-    <dsp:sp modelId="{768DF61A-01A6-453C-9541-29268C0C7CAF}">
+    <dsp:sp modelId="{70157C85-5F7F-40E9-A825-1F326C471DFF}">
       <dsp:nvSpPr>
         <dsp:cNvPr id="0" name=""/>
         <dsp:cNvSpPr/>
@@ -9195,12 +8898,90 @@
           </a:pPr>
           <a:r>
             <a:rPr lang="es-ES" sz="900" kern="1200" dirty="0"/>
-            <a:t>1.3.2.3 Diagrama de Flujos de Datos</a:t>
+            <a:t>1.3.2.3Diagrama de Clases</a:t>
           </a:r>
         </a:p>
       </dsp:txBody>
       <dsp:txXfrm>
         <a:off x="5359812" y="3492150"/>
+        <a:ext cx="982441" cy="491220"/>
+      </dsp:txXfrm>
+    </dsp:sp>
+    <dsp:sp modelId="{768DF61A-01A6-453C-9541-29268C0C7CAF}">
+      <dsp:nvSpPr>
+        <dsp:cNvPr id="0" name=""/>
+        <dsp:cNvSpPr/>
+      </dsp:nvSpPr>
+      <dsp:spPr>
+        <a:xfrm>
+          <a:off x="5359812" y="4189684"/>
+          <a:ext cx="982441" cy="491220"/>
+        </a:xfrm>
+        <a:prstGeom prst="rect">
+          <a:avLst/>
+        </a:prstGeom>
+        <a:solidFill>
+          <a:schemeClr val="lt1">
+            <a:hueOff val="0"/>
+            <a:satOff val="0"/>
+            <a:lumOff val="0"/>
+            <a:alphaOff val="0"/>
+          </a:schemeClr>
+        </a:solidFill>
+        <a:ln w="12700" cap="flat" cmpd="sng" algn="ctr">
+          <a:solidFill>
+            <a:schemeClr val="accent1">
+              <a:shade val="80000"/>
+              <a:hueOff val="0"/>
+              <a:satOff val="0"/>
+              <a:lumOff val="0"/>
+              <a:alphaOff val="0"/>
+            </a:schemeClr>
+          </a:solidFill>
+          <a:prstDash val="solid"/>
+          <a:miter lim="800000"/>
+        </a:ln>
+        <a:effectLst/>
+      </dsp:spPr>
+      <dsp:style>
+        <a:lnRef idx="2">
+          <a:scrgbClr r="0" g="0" b="0"/>
+        </a:lnRef>
+        <a:fillRef idx="1">
+          <a:scrgbClr r="0" g="0" b="0"/>
+        </a:fillRef>
+        <a:effectRef idx="0">
+          <a:scrgbClr r="0" g="0" b="0"/>
+        </a:effectRef>
+        <a:fontRef idx="minor">
+          <a:schemeClr val="lt1"/>
+        </a:fontRef>
+      </dsp:style>
+      <dsp:txBody>
+        <a:bodyPr spcFirstLastPara="0" vert="horz" wrap="square" lIns="5715" tIns="5715" rIns="5715" bIns="5715" numCol="1" spcCol="1270" anchor="ctr" anchorCtr="0">
+          <a:noAutofit/>
+        </a:bodyPr>
+        <a:lstStyle/>
+        <a:p>
+          <a:pPr lvl="0" algn="ctr" defTabSz="400050">
+            <a:lnSpc>
+              <a:spcPct val="90000"/>
+            </a:lnSpc>
+            <a:spcBef>
+              <a:spcPct val="0"/>
+            </a:spcBef>
+            <a:spcAft>
+              <a:spcPct val="35000"/>
+            </a:spcAft>
+          </a:pPr>
+          <a:r>
+            <a:rPr lang="es-ES" sz="900" kern="1200" dirty="0"/>
+            <a:t>1.3.2.4 Diagrama de Flujos de Datos</a:t>
+          </a:r>
+        </a:p>
+      </dsp:txBody>
+      <dsp:txXfrm>
+        <a:off x="5359812" y="4189684"/>
         <a:ext cx="982441" cy="491220"/>
       </dsp:txXfrm>
     </dsp:sp>
@@ -9585,7 +9366,7 @@
           </a:pPr>
           <a:r>
             <a:rPr lang="es-ES" sz="900" kern="1200" dirty="0"/>
-            <a:t>1.4.4 Programación de Interfaces</a:t>
+            <a:t>1.4.4 Diseño de Interfaces</a:t>
           </a:r>
         </a:p>
       </dsp:txBody>
@@ -15981,7 +15762,7 @@
             <p:ph idx="1"/>
             <p:extLst>
               <p:ext uri="{D42A27DB-BD31-4B8C-83A1-F6EECF244321}">
-                <p14:modId xmlns:p14="http://schemas.microsoft.com/office/powerpoint/2010/main" val="4271123970"/>
+                <p14:modId xmlns:p14="http://schemas.microsoft.com/office/powerpoint/2010/main" val="1793532459"/>
               </p:ext>
             </p:extLst>
           </p:nvPr>
@@ -16000,6 +15781,74 @@
     <p:extLst>
       <p:ext uri="{BB962C8B-B14F-4D97-AF65-F5344CB8AC3E}">
         <p14:creationId xmlns:p14="http://schemas.microsoft.com/office/powerpoint/2010/main" val="255263752"/>
+      </p:ext>
+    </p:extLst>
+  </p:cSld>
+  <p:clrMapOvr>
+    <a:masterClrMapping/>
+  </p:clrMapOvr>
+</p:sld>
+</file>
+
+<file path=ppt/slides/slide3.xml><?xml version="1.0" encoding="utf-8"?>
+<p:sld xmlns:a="http://schemas.openxmlformats.org/drawingml/2006/main" xmlns:r="http://schemas.openxmlformats.org/officeDocument/2006/relationships" xmlns:p="http://schemas.openxmlformats.org/presentationml/2006/main">
+  <p:cSld>
+    <p:spTree>
+      <p:nvGrpSpPr>
+        <p:cNvPr id="1" name=""/>
+        <p:cNvGrpSpPr/>
+        <p:nvPr/>
+      </p:nvGrpSpPr>
+      <p:grpSpPr>
+        <a:xfrm>
+          <a:off x="0" y="0"/>
+          <a:ext cx="0" cy="0"/>
+          <a:chOff x="0" y="0"/>
+          <a:chExt cx="0" cy="0"/>
+        </a:xfrm>
+      </p:grpSpPr>
+      <p:sp>
+        <p:nvSpPr>
+          <p:cNvPr id="2" name="Título 1"/>
+          <p:cNvSpPr>
+            <a:spLocks noGrp="1"/>
+          </p:cNvSpPr>
+          <p:nvPr>
+            <p:ph type="title"/>
+          </p:nvPr>
+        </p:nvSpPr>
+        <p:spPr/>
+        <p:txBody>
+          <a:bodyPr/>
+          <a:lstStyle/>
+          <a:p>
+            <a:endParaRPr lang="es-GT"/>
+          </a:p>
+        </p:txBody>
+      </p:sp>
+      <p:sp>
+        <p:nvSpPr>
+          <p:cNvPr id="3" name="Marcador de contenido 2"/>
+          <p:cNvSpPr>
+            <a:spLocks noGrp="1"/>
+          </p:cNvSpPr>
+          <p:nvPr>
+            <p:ph idx="1"/>
+          </p:nvPr>
+        </p:nvSpPr>
+        <p:spPr/>
+        <p:txBody>
+          <a:bodyPr/>
+          <a:lstStyle/>
+          <a:p>
+            <a:endParaRPr lang="es-GT"/>
+          </a:p>
+        </p:txBody>
+      </p:sp>
+    </p:spTree>
+    <p:extLst>
+      <p:ext uri="{BB962C8B-B14F-4D97-AF65-F5344CB8AC3E}">
+        <p14:creationId xmlns:p14="http://schemas.microsoft.com/office/powerpoint/2010/main" val="934426171"/>
       </p:ext>
     </p:extLst>
   </p:cSld>
